--- a/Documents/Payloads Overview.pptx
+++ b/Documents/Payloads Overview.pptx
@@ -7,13 +7,9 @@
   <p:sldIdLst>
     <p:sldId id="256" r:id="rId2"/>
     <p:sldId id="257" r:id="rId3"/>
-    <p:sldId id="259" r:id="rId4"/>
-    <p:sldId id="261" r:id="rId5"/>
+    <p:sldId id="258" r:id="rId4"/>
+    <p:sldId id="259" r:id="rId5"/>
     <p:sldId id="260" r:id="rId6"/>
-    <p:sldId id="263" r:id="rId7"/>
-    <p:sldId id="264" r:id="rId8"/>
-    <p:sldId id="262" r:id="rId9"/>
-    <p:sldId id="258" r:id="rId10"/>
   </p:sldIdLst>
   <p:sldSz cx="12192000" cy="6858000"/>
   <p:notesSz cx="6858000" cy="9144000"/>
@@ -299,7 +295,7 @@
           <a:p>
             <a:fld id="{7641C023-4088-4D75-BBD8-CE482B98921B}" type="datetimeFigureOut">
               <a:rPr lang="en-US" smtClean="0"/>
-              <a:t>10/13/2019</a:t>
+              <a:t>10/27/2019</a:t>
             </a:fld>
             <a:endParaRPr lang="en-US"/>
           </a:p>
@@ -525,7 +521,7 @@
           <a:p>
             <a:fld id="{7641C023-4088-4D75-BBD8-CE482B98921B}" type="datetimeFigureOut">
               <a:rPr lang="en-US" smtClean="0"/>
-              <a:t>10/13/2019</a:t>
+              <a:t>10/27/2019</a:t>
             </a:fld>
             <a:endParaRPr lang="en-US"/>
           </a:p>
@@ -713,7 +709,7 @@
           <a:p>
             <a:fld id="{7641C023-4088-4D75-BBD8-CE482B98921B}" type="datetimeFigureOut">
               <a:rPr lang="en-US" smtClean="0"/>
-              <a:t>10/13/2019</a:t>
+              <a:t>10/27/2019</a:t>
             </a:fld>
             <a:endParaRPr lang="en-US"/>
           </a:p>
@@ -947,7 +943,7 @@
           <a:p>
             <a:fld id="{7641C023-4088-4D75-BBD8-CE482B98921B}" type="datetimeFigureOut">
               <a:rPr lang="en-US" smtClean="0"/>
-              <a:t>10/13/2019</a:t>
+              <a:t>10/27/2019</a:t>
             </a:fld>
             <a:endParaRPr lang="en-US"/>
           </a:p>
@@ -1249,7 +1245,7 @@
           <a:p>
             <a:fld id="{7641C023-4088-4D75-BBD8-CE482B98921B}" type="datetimeFigureOut">
               <a:rPr lang="en-US" smtClean="0"/>
-              <a:t>10/13/2019</a:t>
+              <a:t>10/27/2019</a:t>
             </a:fld>
             <a:endParaRPr lang="en-US"/>
           </a:p>
@@ -1514,7 +1510,7 @@
           <a:p>
             <a:fld id="{7641C023-4088-4D75-BBD8-CE482B98921B}" type="datetimeFigureOut">
               <a:rPr lang="en-US" smtClean="0"/>
-              <a:t>10/13/2019</a:t>
+              <a:t>10/27/2019</a:t>
             </a:fld>
             <a:endParaRPr lang="en-US"/>
           </a:p>
@@ -1983,7 +1979,7 @@
           <a:p>
             <a:fld id="{7641C023-4088-4D75-BBD8-CE482B98921B}" type="datetimeFigureOut">
               <a:rPr lang="en-US" smtClean="0"/>
-              <a:t>10/13/2019</a:t>
+              <a:t>10/27/2019</a:t>
             </a:fld>
             <a:endParaRPr lang="en-US"/>
           </a:p>
@@ -2208,7 +2204,7 @@
           <a:p>
             <a:fld id="{7641C023-4088-4D75-BBD8-CE482B98921B}" type="datetimeFigureOut">
               <a:rPr lang="en-US" smtClean="0"/>
-              <a:t>10/13/2019</a:t>
+              <a:t>10/27/2019</a:t>
             </a:fld>
             <a:endParaRPr lang="en-US"/>
           </a:p>
@@ -2433,7 +2429,7 @@
           <a:p>
             <a:fld id="{7641C023-4088-4D75-BBD8-CE482B98921B}" type="datetimeFigureOut">
               <a:rPr lang="en-US" smtClean="0"/>
-              <a:t>10/13/2019</a:t>
+              <a:t>10/27/2019</a:t>
             </a:fld>
             <a:endParaRPr lang="en-US"/>
           </a:p>
@@ -2718,7 +2714,7 @@
           <a:p>
             <a:fld id="{7641C023-4088-4D75-BBD8-CE482B98921B}" type="datetimeFigureOut">
               <a:rPr lang="en-US" smtClean="0"/>
-              <a:t>10/13/2019</a:t>
+              <a:t>10/27/2019</a:t>
             </a:fld>
             <a:endParaRPr lang="en-US"/>
           </a:p>
@@ -2979,7 +2975,7 @@
           <a:p>
             <a:fld id="{7641C023-4088-4D75-BBD8-CE482B98921B}" type="datetimeFigureOut">
               <a:rPr lang="en-US" smtClean="0"/>
-              <a:t>10/13/2019</a:t>
+              <a:t>10/27/2019</a:t>
             </a:fld>
             <a:endParaRPr lang="en-US"/>
           </a:p>
@@ -3200,7 +3196,7 @@
           <a:p>
             <a:fld id="{7641C023-4088-4D75-BBD8-CE482B98921B}" type="datetimeFigureOut">
               <a:rPr lang="en-US" smtClean="0"/>
-              <a:t>10/13/2019</a:t>
+              <a:t>10/27/2019</a:t>
             </a:fld>
             <a:endParaRPr lang="en-US"/>
           </a:p>
@@ -3710,36 +3706,54 @@
           <a:p>
             <a:r>
               <a:rPr lang="en-US" dirty="0" smtClean="0"/>
-              <a:t>Approach</a:t>
-            </a:r>
-          </a:p>
-          <a:p>
+              <a:t>Full Motion Video</a:t>
+            </a:r>
+          </a:p>
+          <a:p>
+            <a:pPr lvl="1"/>
             <a:r>
               <a:rPr lang="en-US" dirty="0" smtClean="0"/>
-              <a:t>Legacy System Overview</a:t>
-            </a:r>
-          </a:p>
-          <a:p>
+              <a:t>Imaging System</a:t>
+            </a:r>
+          </a:p>
+          <a:p>
+            <a:pPr lvl="1"/>
             <a:r>
               <a:rPr lang="en-US" dirty="0" smtClean="0"/>
-              <a:t>Ground Station</a:t>
-            </a:r>
-            <a:endParaRPr lang="en-US" dirty="0" smtClean="0"/>
-          </a:p>
-          <a:p>
-            <a:r>
-              <a:rPr lang="en-US" dirty="0"/>
-              <a:t>Nomad Program </a:t>
-            </a:r>
+              <a:t>Gimbal</a:t>
+            </a:r>
+          </a:p>
+          <a:p>
+            <a:pPr lvl="1"/>
             <a:r>
               <a:rPr lang="en-US" dirty="0" smtClean="0"/>
-              <a:t>Overview</a:t>
+              <a:t>Data Output</a:t>
             </a:r>
           </a:p>
           <a:p>
             <a:r>
               <a:rPr lang="en-US" dirty="0" smtClean="0"/>
-              <a:t>Nomad Specific Modifications</a:t>
+              <a:t>Wide Area Camera</a:t>
+            </a:r>
+          </a:p>
+          <a:p>
+            <a:pPr lvl="1"/>
+            <a:r>
+              <a:rPr lang="en-US" dirty="0" smtClean="0"/>
+              <a:t>Cameras</a:t>
+            </a:r>
+          </a:p>
+          <a:p>
+            <a:pPr lvl="1"/>
+            <a:r>
+              <a:rPr lang="en-US" dirty="0" smtClean="0"/>
+              <a:t>Control Capability</a:t>
+            </a:r>
+          </a:p>
+          <a:p>
+            <a:r>
+              <a:rPr lang="en-US" dirty="0" smtClean="0"/>
+              <a:t>Communications</a:t>
             </a:r>
           </a:p>
         </p:txBody>
@@ -3791,7 +3805,7 @@
           <a:p>
             <a:r>
               <a:rPr lang="en-US" dirty="0" smtClean="0"/>
-              <a:t>Legacy System Overview</a:t>
+              <a:t>Full Motion Video</a:t>
             </a:r>
             <a:endParaRPr lang="en-US" dirty="0"/>
           </a:p>
@@ -3814,13 +3828,25 @@
           <a:p>
             <a:r>
               <a:rPr lang="en-US" dirty="0" smtClean="0"/>
-              <a:t>Describes legacy system</a:t>
+              <a:t>Picture of system</a:t>
             </a:r>
           </a:p>
           <a:p>
             <a:r>
               <a:rPr lang="en-US" dirty="0" smtClean="0"/>
-              <a:t>Meets all FAA requirements – successfully operating in the NAS now</a:t>
+              <a:t>Description of gimbal</a:t>
+            </a:r>
+          </a:p>
+          <a:p>
+            <a:r>
+              <a:rPr lang="en-US" dirty="0" smtClean="0"/>
+              <a:t>Performance for both day/night</a:t>
+            </a:r>
+          </a:p>
+          <a:p>
+            <a:r>
+              <a:rPr lang="en-US" dirty="0" smtClean="0"/>
+              <a:t>Description of data</a:t>
             </a:r>
             <a:endParaRPr lang="en-US" dirty="0"/>
           </a:p>
@@ -3829,7 +3855,7 @@
     </p:spTree>
     <p:extLst>
       <p:ext uri="{BB962C8B-B14F-4D97-AF65-F5344CB8AC3E}">
-        <p14:creationId xmlns:p14="http://schemas.microsoft.com/office/powerpoint/2010/main" val="3740247587"/>
+        <p14:creationId xmlns:p14="http://schemas.microsoft.com/office/powerpoint/2010/main" val="939684929"/>
       </p:ext>
     </p:extLst>
   </p:cSld>
@@ -3873,7 +3899,7 @@
           <a:p>
             <a:r>
               <a:rPr lang="en-US" dirty="0" smtClean="0"/>
-              <a:t>Legacy System Variants</a:t>
+              <a:t>Wide Area Camera</a:t>
             </a:r>
             <a:endParaRPr lang="en-US" dirty="0"/>
           </a:p>
@@ -3896,19 +3922,25 @@
           <a:p>
             <a:r>
               <a:rPr lang="en-US" dirty="0" smtClean="0"/>
-              <a:t>Mark 1 – Video Photography</a:t>
+              <a:t>Picture of camera</a:t>
             </a:r>
           </a:p>
           <a:p>
             <a:r>
               <a:rPr lang="en-US" dirty="0" smtClean="0"/>
-              <a:t>Mark 2 – Aerial Survey</a:t>
+              <a:t>Description of mounting / look angle</a:t>
             </a:r>
           </a:p>
           <a:p>
             <a:r>
               <a:rPr lang="en-US" dirty="0" smtClean="0"/>
-              <a:t>Mark 3 – Remote access point</a:t>
+              <a:t>Description of modes – manual, automatic</a:t>
+            </a:r>
+          </a:p>
+          <a:p>
+            <a:r>
+              <a:rPr lang="en-US" dirty="0" smtClean="0"/>
+              <a:t>Performance characterization</a:t>
             </a:r>
             <a:endParaRPr lang="en-US" dirty="0"/>
           </a:p>
@@ -3917,7 +3949,7 @@
     </p:spTree>
     <p:extLst>
       <p:ext uri="{BB962C8B-B14F-4D97-AF65-F5344CB8AC3E}">
-        <p14:creationId xmlns:p14="http://schemas.microsoft.com/office/powerpoint/2010/main" val="3395971422"/>
+        <p14:creationId xmlns:p14="http://schemas.microsoft.com/office/powerpoint/2010/main" val="4161282364"/>
       </p:ext>
     </p:extLst>
   </p:cSld>
@@ -3961,7 +3993,7 @@
           <a:p>
             <a:r>
               <a:rPr lang="en-US" dirty="0" smtClean="0"/>
-              <a:t>Nomad Overview</a:t>
+              <a:t>Communications</a:t>
             </a:r>
             <a:endParaRPr lang="en-US" dirty="0"/>
           </a:p>
@@ -3984,404 +4016,42 @@
           <a:p>
             <a:r>
               <a:rPr lang="en-US" dirty="0" smtClean="0"/>
-              <a:t>Tailored variant of legacy to meet OTSS requirements</a:t>
-            </a:r>
-          </a:p>
-          <a:p>
+              <a:t>Payload </a:t>
+            </a:r>
+            <a:r>
+              <a:rPr lang="en-US" dirty="0" err="1" smtClean="0"/>
+              <a:t>comms</a:t>
+            </a:r>
             <a:r>
               <a:rPr lang="en-US" dirty="0" smtClean="0"/>
-              <a:t>Takes advantage of years of successfully flight testing and operations</a:t>
+              <a:t> description</a:t>
             </a:r>
           </a:p>
           <a:p>
             <a:r>
               <a:rPr lang="en-US" dirty="0" smtClean="0"/>
-              <a:t>Updates payloads for military operations</a:t>
-            </a:r>
-          </a:p>
-          <a:p>
-            <a:pPr lvl="1"/>
+              <a:t>Thinking small T-CDL system</a:t>
+            </a:r>
+          </a:p>
+          <a:p>
             <a:r>
               <a:rPr lang="en-US" dirty="0" smtClean="0"/>
-              <a:t>Upgraded sensors</a:t>
-            </a:r>
-          </a:p>
-          <a:p>
-            <a:pPr lvl="1"/>
-            <a:r>
-              <a:rPr lang="en-US" dirty="0" smtClean="0"/>
-              <a:t>Military grade communications system</a:t>
-            </a:r>
-          </a:p>
-          <a:p>
-            <a:r>
-              <a:rPr lang="en-US" dirty="0" smtClean="0"/>
-              <a:t>Show OV-1 like picture overview</a:t>
-            </a:r>
+              <a:t>NSA Type-1 encryption</a:t>
+            </a:r>
+          </a:p>
+          <a:p>
+            <a:r>
+              <a:rPr lang="en-US" smtClean="0"/>
+              <a:t>Range description</a:t>
+            </a:r>
+            <a:endParaRPr lang="en-US" dirty="0"/>
           </a:p>
         </p:txBody>
       </p:sp>
     </p:spTree>
     <p:extLst>
       <p:ext uri="{BB962C8B-B14F-4D97-AF65-F5344CB8AC3E}">
-        <p14:creationId xmlns:p14="http://schemas.microsoft.com/office/powerpoint/2010/main" val="1780716575"/>
-      </p:ext>
-    </p:extLst>
-  </p:cSld>
-  <p:clrMapOvr>
-    <a:masterClrMapping/>
-  </p:clrMapOvr>
-</p:sld>
-</file>
-
-<file path=ppt/slides/slide6.xml><?xml version="1.0" encoding="utf-8"?>
-<p:sld xmlns:a="http://schemas.openxmlformats.org/drawingml/2006/main" xmlns:r="http://schemas.openxmlformats.org/officeDocument/2006/relationships" xmlns:p="http://schemas.openxmlformats.org/presentationml/2006/main">
-  <p:cSld>
-    <p:spTree>
-      <p:nvGrpSpPr>
-        <p:cNvPr id="1" name=""/>
-        <p:cNvGrpSpPr/>
-        <p:nvPr/>
-      </p:nvGrpSpPr>
-      <p:grpSpPr>
-        <a:xfrm>
-          <a:off x="0" y="0"/>
-          <a:ext cx="0" cy="0"/>
-          <a:chOff x="0" y="0"/>
-          <a:chExt cx="0" cy="0"/>
-        </a:xfrm>
-      </p:grpSpPr>
-      <p:sp>
-        <p:nvSpPr>
-          <p:cNvPr id="2" name="Title 1"/>
-          <p:cNvSpPr>
-            <a:spLocks noGrp="1"/>
-          </p:cNvSpPr>
-          <p:nvPr>
-            <p:ph type="title"/>
-          </p:nvPr>
-        </p:nvSpPr>
-        <p:spPr/>
-        <p:txBody>
-          <a:bodyPr/>
-          <a:lstStyle/>
-          <a:p>
-            <a:r>
-              <a:rPr lang="en-US" dirty="0" smtClean="0"/>
-              <a:t>Air Vehicle</a:t>
-            </a:r>
-            <a:endParaRPr lang="en-US" dirty="0"/>
-          </a:p>
-        </p:txBody>
-      </p:sp>
-      <p:sp>
-        <p:nvSpPr>
-          <p:cNvPr id="3" name="Content Placeholder 2"/>
-          <p:cNvSpPr>
-            <a:spLocks noGrp="1"/>
-          </p:cNvSpPr>
-          <p:nvPr>
-            <p:ph idx="1"/>
-          </p:nvPr>
-        </p:nvSpPr>
-        <p:spPr/>
-        <p:txBody>
-          <a:bodyPr/>
-          <a:lstStyle/>
-          <a:p>
-            <a:endParaRPr lang="en-US"/>
-          </a:p>
-        </p:txBody>
-      </p:sp>
-    </p:spTree>
-    <p:extLst>
-      <p:ext uri="{BB962C8B-B14F-4D97-AF65-F5344CB8AC3E}">
-        <p14:creationId xmlns:p14="http://schemas.microsoft.com/office/powerpoint/2010/main" val="4187540658"/>
-      </p:ext>
-    </p:extLst>
-  </p:cSld>
-  <p:clrMapOvr>
-    <a:masterClrMapping/>
-  </p:clrMapOvr>
-</p:sld>
-</file>
-
-<file path=ppt/slides/slide7.xml><?xml version="1.0" encoding="utf-8"?>
-<p:sld xmlns:a="http://schemas.openxmlformats.org/drawingml/2006/main" xmlns:r="http://schemas.openxmlformats.org/officeDocument/2006/relationships" xmlns:p="http://schemas.openxmlformats.org/presentationml/2006/main">
-  <p:cSld>
-    <p:spTree>
-      <p:nvGrpSpPr>
-        <p:cNvPr id="1" name=""/>
-        <p:cNvGrpSpPr/>
-        <p:nvPr/>
-      </p:nvGrpSpPr>
-      <p:grpSpPr>
-        <a:xfrm>
-          <a:off x="0" y="0"/>
-          <a:ext cx="0" cy="0"/>
-          <a:chOff x="0" y="0"/>
-          <a:chExt cx="0" cy="0"/>
-        </a:xfrm>
-      </p:grpSpPr>
-      <p:sp>
-        <p:nvSpPr>
-          <p:cNvPr id="2" name="Title 1"/>
-          <p:cNvSpPr>
-            <a:spLocks noGrp="1"/>
-          </p:cNvSpPr>
-          <p:nvPr>
-            <p:ph type="title"/>
-          </p:nvPr>
-        </p:nvSpPr>
-        <p:spPr/>
-        <p:txBody>
-          <a:bodyPr/>
-          <a:lstStyle/>
-          <a:p>
-            <a:r>
-              <a:rPr lang="en-US" smtClean="0"/>
-              <a:t>Payloads Overview</a:t>
-            </a:r>
-            <a:endParaRPr lang="en-US"/>
-          </a:p>
-        </p:txBody>
-      </p:sp>
-      <p:sp>
-        <p:nvSpPr>
-          <p:cNvPr id="3" name="Content Placeholder 2"/>
-          <p:cNvSpPr>
-            <a:spLocks noGrp="1"/>
-          </p:cNvSpPr>
-          <p:nvPr>
-            <p:ph idx="1"/>
-          </p:nvPr>
-        </p:nvSpPr>
-        <p:spPr/>
-        <p:txBody>
-          <a:bodyPr/>
-          <a:lstStyle/>
-          <a:p>
-            <a:endParaRPr lang="en-US"/>
-          </a:p>
-        </p:txBody>
-      </p:sp>
-    </p:spTree>
-    <p:extLst>
-      <p:ext uri="{BB962C8B-B14F-4D97-AF65-F5344CB8AC3E}">
-        <p14:creationId xmlns:p14="http://schemas.microsoft.com/office/powerpoint/2010/main" val="3312268664"/>
-      </p:ext>
-    </p:extLst>
-  </p:cSld>
-  <p:clrMapOvr>
-    <a:masterClrMapping/>
-  </p:clrMapOvr>
-</p:sld>
-</file>
-
-<file path=ppt/slides/slide8.xml><?xml version="1.0" encoding="utf-8"?>
-<p:sld xmlns:a="http://schemas.openxmlformats.org/drawingml/2006/main" xmlns:r="http://schemas.openxmlformats.org/officeDocument/2006/relationships" xmlns:p="http://schemas.openxmlformats.org/presentationml/2006/main">
-  <p:cSld>
-    <p:spTree>
-      <p:nvGrpSpPr>
-        <p:cNvPr id="1" name=""/>
-        <p:cNvGrpSpPr/>
-        <p:nvPr/>
-      </p:nvGrpSpPr>
-      <p:grpSpPr>
-        <a:xfrm>
-          <a:off x="0" y="0"/>
-          <a:ext cx="0" cy="0"/>
-          <a:chOff x="0" y="0"/>
-          <a:chExt cx="0" cy="0"/>
-        </a:xfrm>
-      </p:grpSpPr>
-      <p:sp>
-        <p:nvSpPr>
-          <p:cNvPr id="2" name="Title 1"/>
-          <p:cNvSpPr>
-            <a:spLocks noGrp="1"/>
-          </p:cNvSpPr>
-          <p:nvPr>
-            <p:ph type="title"/>
-          </p:nvPr>
-        </p:nvSpPr>
-        <p:spPr/>
-        <p:txBody>
-          <a:bodyPr/>
-          <a:lstStyle/>
-          <a:p>
-            <a:r>
-              <a:rPr lang="en-US" dirty="0" smtClean="0"/>
-              <a:t>Ground Station</a:t>
-            </a:r>
-            <a:endParaRPr lang="en-US" dirty="0"/>
-          </a:p>
-        </p:txBody>
-      </p:sp>
-      <p:sp>
-        <p:nvSpPr>
-          <p:cNvPr id="3" name="Content Placeholder 2"/>
-          <p:cNvSpPr>
-            <a:spLocks noGrp="1"/>
-          </p:cNvSpPr>
-          <p:nvPr>
-            <p:ph idx="1"/>
-          </p:nvPr>
-        </p:nvSpPr>
-        <p:spPr/>
-        <p:txBody>
-          <a:bodyPr/>
-          <a:lstStyle/>
-          <a:p>
-            <a:r>
-              <a:rPr lang="en-US" dirty="0" smtClean="0"/>
-              <a:t>Show rugged laptop and controller</a:t>
-            </a:r>
-          </a:p>
-          <a:p>
-            <a:r>
-              <a:rPr lang="en-US" dirty="0" smtClean="0"/>
-              <a:t>Show integration of transport container and </a:t>
-            </a:r>
-            <a:r>
-              <a:rPr lang="en-US" dirty="0" err="1" smtClean="0"/>
-              <a:t>comms</a:t>
-            </a:r>
-            <a:r>
-              <a:rPr lang="en-US" dirty="0" smtClean="0"/>
-              <a:t> system</a:t>
-            </a:r>
-            <a:endParaRPr lang="en-US" dirty="0"/>
-          </a:p>
-        </p:txBody>
-      </p:sp>
-    </p:spTree>
-    <p:extLst>
-      <p:ext uri="{BB962C8B-B14F-4D97-AF65-F5344CB8AC3E}">
-        <p14:creationId xmlns:p14="http://schemas.microsoft.com/office/powerpoint/2010/main" val="256471070"/>
-      </p:ext>
-    </p:extLst>
-  </p:cSld>
-  <p:clrMapOvr>
-    <a:masterClrMapping/>
-  </p:clrMapOvr>
-</p:sld>
-</file>
-
-<file path=ppt/slides/slide9.xml><?xml version="1.0" encoding="utf-8"?>
-<p:sld xmlns:a="http://schemas.openxmlformats.org/drawingml/2006/main" xmlns:r="http://schemas.openxmlformats.org/officeDocument/2006/relationships" xmlns:p="http://schemas.openxmlformats.org/presentationml/2006/main">
-  <p:cSld>
-    <p:spTree>
-      <p:nvGrpSpPr>
-        <p:cNvPr id="1" name=""/>
-        <p:cNvGrpSpPr/>
-        <p:nvPr/>
-      </p:nvGrpSpPr>
-      <p:grpSpPr>
-        <a:xfrm>
-          <a:off x="0" y="0"/>
-          <a:ext cx="0" cy="0"/>
-          <a:chOff x="0" y="0"/>
-          <a:chExt cx="0" cy="0"/>
-        </a:xfrm>
-      </p:grpSpPr>
-      <p:sp>
-        <p:nvSpPr>
-          <p:cNvPr id="2" name="Title 1"/>
-          <p:cNvSpPr>
-            <a:spLocks noGrp="1"/>
-          </p:cNvSpPr>
-          <p:nvPr>
-            <p:ph type="title"/>
-          </p:nvPr>
-        </p:nvSpPr>
-        <p:spPr/>
-        <p:txBody>
-          <a:bodyPr/>
-          <a:lstStyle/>
-          <a:p>
-            <a:r>
-              <a:rPr lang="en-US" dirty="0" smtClean="0"/>
-              <a:t>Legacy System Modifications</a:t>
-            </a:r>
-            <a:endParaRPr lang="en-US" dirty="0"/>
-          </a:p>
-        </p:txBody>
-      </p:sp>
-      <p:sp>
-        <p:nvSpPr>
-          <p:cNvPr id="3" name="Content Placeholder 2"/>
-          <p:cNvSpPr>
-            <a:spLocks noGrp="1"/>
-          </p:cNvSpPr>
-          <p:nvPr>
-            <p:ph idx="1"/>
-          </p:nvPr>
-        </p:nvSpPr>
-        <p:spPr/>
-        <p:txBody>
-          <a:bodyPr/>
-          <a:lstStyle/>
-          <a:p>
-            <a:r>
-              <a:rPr lang="en-US" dirty="0" smtClean="0"/>
-              <a:t>Describe how legacy system met all performance requirements</a:t>
-            </a:r>
-          </a:p>
-          <a:p>
-            <a:r>
-              <a:rPr lang="en-US" dirty="0" smtClean="0"/>
-              <a:t>Needed updates to sensors to meet new performance requirements</a:t>
-            </a:r>
-          </a:p>
-          <a:p>
-            <a:pPr lvl="1"/>
-            <a:r>
-              <a:rPr lang="en-US" dirty="0" smtClean="0"/>
-              <a:t>New, larger imaging sensor/optics – new lenses</a:t>
-            </a:r>
-          </a:p>
-          <a:p>
-            <a:pPr lvl="1"/>
-            <a:r>
-              <a:rPr lang="en-US" dirty="0" smtClean="0"/>
-              <a:t>Required mounting more forward to clear field of view</a:t>
-            </a:r>
-          </a:p>
-          <a:p>
-            <a:r>
-              <a:rPr lang="en-US" dirty="0" smtClean="0"/>
-              <a:t>Legacy flight controller was made in China</a:t>
-            </a:r>
-          </a:p>
-          <a:p>
-            <a:pPr lvl="1"/>
-            <a:r>
-              <a:rPr lang="en-US" dirty="0" smtClean="0"/>
-              <a:t>New security requirements required the development of a new FCS</a:t>
-            </a:r>
-          </a:p>
-          <a:p>
-            <a:pPr lvl="1"/>
-            <a:r>
-              <a:rPr lang="en-US" dirty="0" smtClean="0"/>
-              <a:t>Demonstrated to be functionally equivalent to legacy variant</a:t>
-            </a:r>
-          </a:p>
-          <a:p>
-            <a:pPr lvl="1"/>
-            <a:r>
-              <a:rPr lang="en-US" dirty="0" smtClean="0"/>
-              <a:t>Successfully tested using legacy system configurations</a:t>
-            </a:r>
-            <a:endParaRPr lang="en-US" dirty="0"/>
-          </a:p>
-        </p:txBody>
-      </p:sp>
-    </p:spTree>
-    <p:extLst>
-      <p:ext uri="{BB962C8B-B14F-4D97-AF65-F5344CB8AC3E}">
-        <p14:creationId xmlns:p14="http://schemas.microsoft.com/office/powerpoint/2010/main" val="3802094225"/>
+        <p14:creationId xmlns:p14="http://schemas.microsoft.com/office/powerpoint/2010/main" val="1171869556"/>
       </p:ext>
     </p:extLst>
   </p:cSld>

--- a/Documents/Payloads Overview.pptx
+++ b/Documents/Payloads Overview.pptx
@@ -7,9 +7,10 @@
   <p:sldIdLst>
     <p:sldId id="256" r:id="rId2"/>
     <p:sldId id="257" r:id="rId3"/>
-    <p:sldId id="258" r:id="rId4"/>
-    <p:sldId id="259" r:id="rId5"/>
-    <p:sldId id="260" r:id="rId6"/>
+    <p:sldId id="262" r:id="rId4"/>
+    <p:sldId id="258" r:id="rId5"/>
+    <p:sldId id="259" r:id="rId6"/>
+    <p:sldId id="261" r:id="rId7"/>
   </p:sldIdLst>
   <p:sldSz cx="12192000" cy="6858000"/>
   <p:notesSz cx="6858000" cy="9144000"/>
@@ -295,7 +296,7 @@
           <a:p>
             <a:fld id="{7641C023-4088-4D75-BBD8-CE482B98921B}" type="datetimeFigureOut">
               <a:rPr lang="en-US" smtClean="0"/>
-              <a:t>10/27/2019</a:t>
+              <a:t>12/5/2019</a:t>
             </a:fld>
             <a:endParaRPr lang="en-US"/>
           </a:p>
@@ -521,7 +522,7 @@
           <a:p>
             <a:fld id="{7641C023-4088-4D75-BBD8-CE482B98921B}" type="datetimeFigureOut">
               <a:rPr lang="en-US" smtClean="0"/>
-              <a:t>10/27/2019</a:t>
+              <a:t>12/5/2019</a:t>
             </a:fld>
             <a:endParaRPr lang="en-US"/>
           </a:p>
@@ -709,7 +710,7 @@
           <a:p>
             <a:fld id="{7641C023-4088-4D75-BBD8-CE482B98921B}" type="datetimeFigureOut">
               <a:rPr lang="en-US" smtClean="0"/>
-              <a:t>10/27/2019</a:t>
+              <a:t>12/5/2019</a:t>
             </a:fld>
             <a:endParaRPr lang="en-US"/>
           </a:p>
@@ -943,7 +944,7 @@
           <a:p>
             <a:fld id="{7641C023-4088-4D75-BBD8-CE482B98921B}" type="datetimeFigureOut">
               <a:rPr lang="en-US" smtClean="0"/>
-              <a:t>10/27/2019</a:t>
+              <a:t>12/5/2019</a:t>
             </a:fld>
             <a:endParaRPr lang="en-US"/>
           </a:p>
@@ -1245,7 +1246,7 @@
           <a:p>
             <a:fld id="{7641C023-4088-4D75-BBD8-CE482B98921B}" type="datetimeFigureOut">
               <a:rPr lang="en-US" smtClean="0"/>
-              <a:t>10/27/2019</a:t>
+              <a:t>12/5/2019</a:t>
             </a:fld>
             <a:endParaRPr lang="en-US"/>
           </a:p>
@@ -1510,7 +1511,7 @@
           <a:p>
             <a:fld id="{7641C023-4088-4D75-BBD8-CE482B98921B}" type="datetimeFigureOut">
               <a:rPr lang="en-US" smtClean="0"/>
-              <a:t>10/27/2019</a:t>
+              <a:t>12/5/2019</a:t>
             </a:fld>
             <a:endParaRPr lang="en-US"/>
           </a:p>
@@ -1979,7 +1980,7 @@
           <a:p>
             <a:fld id="{7641C023-4088-4D75-BBD8-CE482B98921B}" type="datetimeFigureOut">
               <a:rPr lang="en-US" smtClean="0"/>
-              <a:t>10/27/2019</a:t>
+              <a:t>12/5/2019</a:t>
             </a:fld>
             <a:endParaRPr lang="en-US"/>
           </a:p>
@@ -2204,7 +2205,7 @@
           <a:p>
             <a:fld id="{7641C023-4088-4D75-BBD8-CE482B98921B}" type="datetimeFigureOut">
               <a:rPr lang="en-US" smtClean="0"/>
-              <a:t>10/27/2019</a:t>
+              <a:t>12/5/2019</a:t>
             </a:fld>
             <a:endParaRPr lang="en-US"/>
           </a:p>
@@ -2429,7 +2430,7 @@
           <a:p>
             <a:fld id="{7641C023-4088-4D75-BBD8-CE482B98921B}" type="datetimeFigureOut">
               <a:rPr lang="en-US" smtClean="0"/>
-              <a:t>10/27/2019</a:t>
+              <a:t>12/5/2019</a:t>
             </a:fld>
             <a:endParaRPr lang="en-US"/>
           </a:p>
@@ -2714,7 +2715,7 @@
           <a:p>
             <a:fld id="{7641C023-4088-4D75-BBD8-CE482B98921B}" type="datetimeFigureOut">
               <a:rPr lang="en-US" smtClean="0"/>
-              <a:t>10/27/2019</a:t>
+              <a:t>12/5/2019</a:t>
             </a:fld>
             <a:endParaRPr lang="en-US"/>
           </a:p>
@@ -2975,7 +2976,7 @@
           <a:p>
             <a:fld id="{7641C023-4088-4D75-BBD8-CE482B98921B}" type="datetimeFigureOut">
               <a:rPr lang="en-US" smtClean="0"/>
-              <a:t>10/27/2019</a:t>
+              <a:t>12/5/2019</a:t>
             </a:fld>
             <a:endParaRPr lang="en-US"/>
           </a:p>
@@ -3196,7 +3197,7 @@
           <a:p>
             <a:fld id="{7641C023-4088-4D75-BBD8-CE482B98921B}" type="datetimeFigureOut">
               <a:rPr lang="en-US" smtClean="0"/>
-              <a:t>10/27/2019</a:t>
+              <a:t>12/5/2019</a:t>
             </a:fld>
             <a:endParaRPr lang="en-US"/>
           </a:p>
@@ -3805,57 +3806,309 @@
           <a:p>
             <a:r>
               <a:rPr lang="en-US" dirty="0" smtClean="0"/>
-              <a:t>Full Motion Video</a:t>
+              <a:t>Overview</a:t>
             </a:r>
             <a:endParaRPr lang="en-US" dirty="0"/>
           </a:p>
         </p:txBody>
       </p:sp>
-      <p:sp>
-        <p:nvSpPr>
-          <p:cNvPr id="3" name="Content Placeholder 2"/>
-          <p:cNvSpPr>
-            <a:spLocks noGrp="1"/>
-          </p:cNvSpPr>
-          <p:nvPr>
-            <p:ph idx="1"/>
-          </p:nvPr>
-        </p:nvSpPr>
-        <p:spPr/>
-        <p:txBody>
-          <a:bodyPr/>
+      <p:cxnSp>
+        <p:nvCxnSpPr>
+          <p:cNvPr id="5" name="Straight Arrow Connector 4"/>
+          <p:cNvCxnSpPr/>
+          <p:nvPr/>
+        </p:nvCxnSpPr>
+        <p:spPr>
+          <a:xfrm flipH="1" flipV="1">
+            <a:off x="6305550" y="3981450"/>
+            <a:ext cx="1855040" cy="970112"/>
+          </a:xfrm>
+          <a:prstGeom prst="straightConnector1">
+            <a:avLst/>
+          </a:prstGeom>
+          <a:ln w="34925">
+            <a:tailEnd type="triangle"/>
+          </a:ln>
+        </p:spPr>
+        <p:style>
+          <a:lnRef idx="1">
+            <a:schemeClr val="accent1"/>
+          </a:lnRef>
+          <a:fillRef idx="0">
+            <a:schemeClr val="accent1"/>
+          </a:fillRef>
+          <a:effectRef idx="0">
+            <a:schemeClr val="accent1"/>
+          </a:effectRef>
+          <a:fontRef idx="minor">
+            <a:schemeClr val="tx1"/>
+          </a:fontRef>
+        </p:style>
+      </p:cxnSp>
+      <p:sp>
+        <p:nvSpPr>
+          <p:cNvPr id="7" name="TextBox 6"/>
+          <p:cNvSpPr txBox="1"/>
+          <p:nvPr/>
+        </p:nvSpPr>
+        <p:spPr>
+          <a:xfrm>
+            <a:off x="8160590" y="4762500"/>
+            <a:ext cx="1877596" cy="646331"/>
+          </a:xfrm>
+          <a:prstGeom prst="rect">
+            <a:avLst/>
+          </a:prstGeom>
+          <a:noFill/>
+        </p:spPr>
+        <p:txBody>
+          <a:bodyPr wrap="square" rtlCol="0">
+            <a:spAutoFit/>
+          </a:bodyPr>
           <a:lstStyle/>
           <a:p>
             <a:r>
               <a:rPr lang="en-US" dirty="0" smtClean="0"/>
-              <a:t>Picture of system</a:t>
-            </a:r>
-          </a:p>
+              <a:t>Full Motion Video Gimbal</a:t>
+            </a:r>
+          </a:p>
+        </p:txBody>
+      </p:sp>
+      <p:cxnSp>
+        <p:nvCxnSpPr>
+          <p:cNvPr id="8" name="Straight Arrow Connector 7"/>
+          <p:cNvCxnSpPr/>
+          <p:nvPr/>
+        </p:nvCxnSpPr>
+        <p:spPr>
+          <a:xfrm flipH="1" flipV="1">
+            <a:off x="7019926" y="3219451"/>
+            <a:ext cx="2079462" cy="185737"/>
+          </a:xfrm>
+          <a:prstGeom prst="straightConnector1">
+            <a:avLst/>
+          </a:prstGeom>
+          <a:ln w="34925">
+            <a:tailEnd type="triangle"/>
+          </a:ln>
+        </p:spPr>
+        <p:style>
+          <a:lnRef idx="1">
+            <a:schemeClr val="accent1"/>
+          </a:lnRef>
+          <a:fillRef idx="0">
+            <a:schemeClr val="accent1"/>
+          </a:fillRef>
+          <a:effectRef idx="0">
+            <a:schemeClr val="accent1"/>
+          </a:effectRef>
+          <a:fontRef idx="minor">
+            <a:schemeClr val="tx1"/>
+          </a:fontRef>
+        </p:style>
+      </p:cxnSp>
+      <p:sp>
+        <p:nvSpPr>
+          <p:cNvPr id="11" name="TextBox 10"/>
+          <p:cNvSpPr txBox="1"/>
+          <p:nvPr/>
+        </p:nvSpPr>
+        <p:spPr>
+          <a:xfrm>
+            <a:off x="9246440" y="3219451"/>
+            <a:ext cx="1877596" cy="646331"/>
+          </a:xfrm>
+          <a:prstGeom prst="rect">
+            <a:avLst/>
+          </a:prstGeom>
+          <a:noFill/>
+        </p:spPr>
+        <p:txBody>
+          <a:bodyPr wrap="square" rtlCol="0">
+            <a:spAutoFit/>
+          </a:bodyPr>
+          <a:lstStyle/>
           <a:p>
             <a:r>
               <a:rPr lang="en-US" dirty="0" smtClean="0"/>
-              <a:t>Description of gimbal</a:t>
-            </a:r>
-          </a:p>
+              <a:t>Mission Computer</a:t>
+            </a:r>
+          </a:p>
+        </p:txBody>
+      </p:sp>
+      <p:sp>
+        <p:nvSpPr>
+          <p:cNvPr id="12" name="TextBox 11"/>
+          <p:cNvSpPr txBox="1"/>
+          <p:nvPr/>
+        </p:nvSpPr>
+        <p:spPr>
+          <a:xfrm>
+            <a:off x="8410576" y="1661894"/>
+            <a:ext cx="1877596" cy="646331"/>
+          </a:xfrm>
+          <a:prstGeom prst="rect">
+            <a:avLst/>
+          </a:prstGeom>
+          <a:noFill/>
+        </p:spPr>
+        <p:txBody>
+          <a:bodyPr wrap="square" rtlCol="0">
+            <a:spAutoFit/>
+          </a:bodyPr>
+          <a:lstStyle/>
           <a:p>
             <a:r>
               <a:rPr lang="en-US" dirty="0" smtClean="0"/>
-              <a:t>Performance for both day/night</a:t>
-            </a:r>
-          </a:p>
-          <a:p>
+              <a:t>Payload </a:t>
+            </a:r>
+            <a:r>
+              <a:rPr lang="en-US" dirty="0" err="1" smtClean="0"/>
+              <a:t>Comm</a:t>
+            </a:r>
             <a:r>
               <a:rPr lang="en-US" dirty="0" smtClean="0"/>
-              <a:t>Description of data</a:t>
-            </a:r>
-            <a:endParaRPr lang="en-US" dirty="0"/>
+              <a:t> Antenna</a:t>
+            </a:r>
+          </a:p>
+        </p:txBody>
+      </p:sp>
+      <p:cxnSp>
+        <p:nvCxnSpPr>
+          <p:cNvPr id="13" name="Straight Arrow Connector 12"/>
+          <p:cNvCxnSpPr/>
+          <p:nvPr/>
+        </p:nvCxnSpPr>
+        <p:spPr>
+          <a:xfrm flipH="1">
+            <a:off x="6381750" y="2157523"/>
+            <a:ext cx="1677908" cy="485666"/>
+          </a:xfrm>
+          <a:prstGeom prst="straightConnector1">
+            <a:avLst/>
+          </a:prstGeom>
+          <a:ln w="34925">
+            <a:tailEnd type="triangle"/>
+          </a:ln>
+        </p:spPr>
+        <p:style>
+          <a:lnRef idx="1">
+            <a:schemeClr val="accent1"/>
+          </a:lnRef>
+          <a:fillRef idx="0">
+            <a:schemeClr val="accent1"/>
+          </a:fillRef>
+          <a:effectRef idx="0">
+            <a:schemeClr val="accent1"/>
+          </a:effectRef>
+          <a:fontRef idx="minor">
+            <a:schemeClr val="tx1"/>
+          </a:fontRef>
+        </p:style>
+      </p:cxnSp>
+      <p:cxnSp>
+        <p:nvCxnSpPr>
+          <p:cNvPr id="16" name="Straight Arrow Connector 15"/>
+          <p:cNvCxnSpPr/>
+          <p:nvPr/>
+        </p:nvCxnSpPr>
+        <p:spPr>
+          <a:xfrm flipV="1">
+            <a:off x="2346163" y="3657600"/>
+            <a:ext cx="2380911" cy="1293962"/>
+          </a:xfrm>
+          <a:prstGeom prst="straightConnector1">
+            <a:avLst/>
+          </a:prstGeom>
+          <a:ln w="34925">
+            <a:tailEnd type="triangle"/>
+          </a:ln>
+        </p:spPr>
+        <p:style>
+          <a:lnRef idx="1">
+            <a:schemeClr val="accent1"/>
+          </a:lnRef>
+          <a:fillRef idx="0">
+            <a:schemeClr val="accent1"/>
+          </a:fillRef>
+          <a:effectRef idx="0">
+            <a:schemeClr val="accent1"/>
+          </a:effectRef>
+          <a:fontRef idx="minor">
+            <a:schemeClr val="tx1"/>
+          </a:fontRef>
+        </p:style>
+      </p:cxnSp>
+      <p:cxnSp>
+        <p:nvCxnSpPr>
+          <p:cNvPr id="18" name="Straight Arrow Connector 17"/>
+          <p:cNvCxnSpPr/>
+          <p:nvPr/>
+        </p:nvCxnSpPr>
+        <p:spPr>
+          <a:xfrm flipV="1">
+            <a:off x="2498563" y="3763318"/>
+            <a:ext cx="3806987" cy="1340644"/>
+          </a:xfrm>
+          <a:prstGeom prst="straightConnector1">
+            <a:avLst/>
+          </a:prstGeom>
+          <a:ln w="34925">
+            <a:tailEnd type="triangle"/>
+          </a:ln>
+        </p:spPr>
+        <p:style>
+          <a:lnRef idx="1">
+            <a:schemeClr val="accent1"/>
+          </a:lnRef>
+          <a:fillRef idx="0">
+            <a:schemeClr val="accent1"/>
+          </a:fillRef>
+          <a:effectRef idx="0">
+            <a:schemeClr val="accent1"/>
+          </a:effectRef>
+          <a:fontRef idx="minor">
+            <a:schemeClr val="tx1"/>
+          </a:fontRef>
+        </p:style>
+      </p:cxnSp>
+      <p:sp>
+        <p:nvSpPr>
+          <p:cNvPr id="21" name="TextBox 20"/>
+          <p:cNvSpPr txBox="1"/>
+          <p:nvPr/>
+        </p:nvSpPr>
+        <p:spPr>
+          <a:xfrm>
+            <a:off x="1064464" y="5057280"/>
+            <a:ext cx="2440735" cy="646331"/>
+          </a:xfrm>
+          <a:prstGeom prst="rect">
+            <a:avLst/>
+          </a:prstGeom>
+          <a:noFill/>
+        </p:spPr>
+        <p:txBody>
+          <a:bodyPr wrap="square" rtlCol="0">
+            <a:spAutoFit/>
+          </a:bodyPr>
+          <a:lstStyle/>
+          <a:p>
+            <a:r>
+              <a:rPr lang="en-US" dirty="0" err="1" smtClean="0"/>
+              <a:t>Bluefire</a:t>
+            </a:r>
+            <a:r>
+              <a:rPr lang="en-US" dirty="0" smtClean="0"/>
+              <a:t> Wide Area Camera System</a:t>
+            </a:r>
           </a:p>
         </p:txBody>
       </p:sp>
     </p:spTree>
     <p:extLst>
       <p:ext uri="{BB962C8B-B14F-4D97-AF65-F5344CB8AC3E}">
-        <p14:creationId xmlns:p14="http://schemas.microsoft.com/office/powerpoint/2010/main" val="939684929"/>
+        <p14:creationId xmlns:p14="http://schemas.microsoft.com/office/powerpoint/2010/main" val="2776054561"/>
       </p:ext>
     </p:extLst>
   </p:cSld>
@@ -3899,57 +4152,690 @@
           <a:p>
             <a:r>
               <a:rPr lang="en-US" dirty="0" smtClean="0"/>
-              <a:t>Wide Area Camera</a:t>
+              <a:t>Full Motion Video</a:t>
             </a:r>
             <a:endParaRPr lang="en-US" dirty="0"/>
           </a:p>
         </p:txBody>
       </p:sp>
-      <p:sp>
-        <p:nvSpPr>
-          <p:cNvPr id="3" name="Content Placeholder 2"/>
-          <p:cNvSpPr>
-            <a:spLocks noGrp="1"/>
-          </p:cNvSpPr>
-          <p:nvPr>
-            <p:ph idx="1"/>
-          </p:nvPr>
-        </p:nvSpPr>
-        <p:spPr/>
-        <p:txBody>
-          <a:bodyPr/>
-          <a:lstStyle/>
-          <a:p>
-            <a:r>
-              <a:rPr lang="en-US" dirty="0" smtClean="0"/>
-              <a:t>Picture of camera</a:t>
-            </a:r>
-          </a:p>
-          <a:p>
-            <a:r>
-              <a:rPr lang="en-US" dirty="0" smtClean="0"/>
-              <a:t>Description of mounting / look angle</a:t>
-            </a:r>
-          </a:p>
-          <a:p>
-            <a:r>
-              <a:rPr lang="en-US" dirty="0" smtClean="0"/>
-              <a:t>Description of modes – manual, automatic</a:t>
-            </a:r>
-          </a:p>
-          <a:p>
-            <a:r>
-              <a:rPr lang="en-US" dirty="0" smtClean="0"/>
-              <a:t>Performance characterization</a:t>
-            </a:r>
-            <a:endParaRPr lang="en-US" dirty="0"/>
-          </a:p>
-        </p:txBody>
-      </p:sp>
+      <p:pic>
+        <p:nvPicPr>
+          <p:cNvPr id="1026" name="Picture 2" descr="http://www.cloudcaptech.com/images/uploads/product/_detail/TASE400_BLK_ll.jpg"/>
+          <p:cNvPicPr>
+            <a:picLocks noChangeAspect="1" noChangeArrowheads="1"/>
+          </p:cNvPicPr>
+          <p:nvPr/>
+        </p:nvPicPr>
+        <p:blipFill>
+          <a:blip r:embed="rId2">
+            <a:extLst>
+              <a:ext uri="{28A0092B-C50C-407E-A947-70E740481C1C}">
+                <a14:useLocalDpi xmlns:a14="http://schemas.microsoft.com/office/drawing/2010/main" val="0"/>
+              </a:ext>
+            </a:extLst>
+          </a:blip>
+          <a:srcRect/>
+          <a:stretch>
+            <a:fillRect/>
+          </a:stretch>
+        </p:blipFill>
+        <p:spPr bwMode="auto">
+          <a:xfrm>
+            <a:off x="5147453" y="3992064"/>
+            <a:ext cx="1626261" cy="2073373"/>
+          </a:xfrm>
+          <a:prstGeom prst="rect">
+            <a:avLst/>
+          </a:prstGeom>
+          <a:noFill/>
+          <a:extLst>
+            <a:ext uri="{909E8E84-426E-40DD-AFC4-6F175D3DCCD1}">
+              <a14:hiddenFill xmlns:a14="http://schemas.microsoft.com/office/drawing/2010/main">
+                <a:solidFill>
+                  <a:srgbClr val="FFFFFF"/>
+                </a:solidFill>
+              </a14:hiddenFill>
+            </a:ext>
+          </a:extLst>
+        </p:spPr>
+      </p:pic>
+      <p:graphicFrame>
+        <p:nvGraphicFramePr>
+          <p:cNvPr id="4" name="Table 3"/>
+          <p:cNvGraphicFramePr>
+            <a:graphicFrameLocks noGrp="1"/>
+          </p:cNvGraphicFramePr>
+          <p:nvPr>
+            <p:extLst>
+              <p:ext uri="{D42A27DB-BD31-4B8C-83A1-F6EECF244321}">
+                <p14:modId xmlns:p14="http://schemas.microsoft.com/office/powerpoint/2010/main" val="1433025687"/>
+              </p:ext>
+            </p:extLst>
+          </p:nvPr>
+        </p:nvGraphicFramePr>
+        <p:xfrm>
+          <a:off x="8056532" y="2163552"/>
+          <a:ext cx="3759200" cy="4023360"/>
+        </p:xfrm>
+        <a:graphic>
+          <a:graphicData uri="http://schemas.openxmlformats.org/drawingml/2006/table">
+            <a:tbl>
+              <a:tblPr firstRow="1" bandRow="1">
+                <a:tableStyleId>{5C22544A-7EE6-4342-B048-85BDC9FD1C3A}</a:tableStyleId>
+              </a:tblPr>
+              <a:tblGrid>
+                <a:gridCol w="2382868"/>
+                <a:gridCol w="1376332"/>
+              </a:tblGrid>
+              <a:tr h="182880">
+                <a:tc>
+                  <a:txBody>
+                    <a:bodyPr/>
+                    <a:lstStyle/>
+                    <a:p>
+                      <a:endParaRPr lang="en-US" sz="1200" dirty="0"/>
+                    </a:p>
+                  </a:txBody>
+                  <a:tcPr/>
+                </a:tc>
+                <a:tc>
+                  <a:txBody>
+                    <a:bodyPr/>
+                    <a:lstStyle/>
+                    <a:p>
+                      <a:endParaRPr lang="en-US" sz="1200"/>
+                    </a:p>
+                  </a:txBody>
+                  <a:tcPr/>
+                </a:tc>
+              </a:tr>
+              <a:tr h="182880">
+                <a:tc>
+                  <a:txBody>
+                    <a:bodyPr/>
+                    <a:lstStyle/>
+                    <a:p>
+                      <a:r>
+                        <a:rPr lang="en-US" sz="1200" dirty="0" smtClean="0"/>
+                        <a:t>Size</a:t>
+                      </a:r>
+                      <a:endParaRPr lang="en-US" sz="1200" dirty="0"/>
+                    </a:p>
+                  </a:txBody>
+                  <a:tcPr/>
+                </a:tc>
+                <a:tc>
+                  <a:txBody>
+                    <a:bodyPr/>
+                    <a:lstStyle/>
+                    <a:p>
+                      <a:r>
+                        <a:rPr lang="en-US" sz="1200" dirty="0" smtClean="0"/>
+                        <a:t>7 in </a:t>
+                      </a:r>
+                      <a:r>
+                        <a:rPr lang="en-US" sz="1200" dirty="0" err="1" smtClean="0"/>
+                        <a:t>dia</a:t>
+                      </a:r>
+                      <a:endParaRPr lang="en-US" sz="1200" dirty="0"/>
+                    </a:p>
+                  </a:txBody>
+                  <a:tcPr/>
+                </a:tc>
+              </a:tr>
+              <a:tr h="182880">
+                <a:tc>
+                  <a:txBody>
+                    <a:bodyPr/>
+                    <a:lstStyle/>
+                    <a:p>
+                      <a:r>
+                        <a:rPr lang="en-US" sz="1200" dirty="0" smtClean="0"/>
+                        <a:t>Weight</a:t>
+                      </a:r>
+                      <a:endParaRPr lang="en-US" sz="1200" dirty="0"/>
+                    </a:p>
+                  </a:txBody>
+                  <a:tcPr/>
+                </a:tc>
+                <a:tc>
+                  <a:txBody>
+                    <a:bodyPr/>
+                    <a:lstStyle/>
+                    <a:p>
+                      <a:r>
+                        <a:rPr lang="en-US" sz="1200" dirty="0" smtClean="0"/>
+                        <a:t>9 </a:t>
+                      </a:r>
+                      <a:r>
+                        <a:rPr lang="en-US" sz="1200" dirty="0" err="1" smtClean="0"/>
+                        <a:t>lbs</a:t>
+                      </a:r>
+                      <a:endParaRPr lang="en-US" sz="1200" dirty="0"/>
+                    </a:p>
+                  </a:txBody>
+                  <a:tcPr/>
+                </a:tc>
+              </a:tr>
+              <a:tr h="182880">
+                <a:tc>
+                  <a:txBody>
+                    <a:bodyPr/>
+                    <a:lstStyle/>
+                    <a:p>
+                      <a:r>
+                        <a:rPr lang="en-US" sz="1200" dirty="0" smtClean="0"/>
+                        <a:t>Pointing Accuracy</a:t>
+                      </a:r>
+                      <a:endParaRPr lang="en-US" sz="1200" dirty="0"/>
+                    </a:p>
+                  </a:txBody>
+                  <a:tcPr/>
+                </a:tc>
+                <a:tc>
+                  <a:txBody>
+                    <a:bodyPr/>
+                    <a:lstStyle/>
+                    <a:p>
+                      <a:r>
+                        <a:rPr lang="en-US" sz="1200" dirty="0" smtClean="0"/>
+                        <a:t>1.5 </a:t>
+                      </a:r>
+                      <a:r>
+                        <a:rPr lang="en-US" sz="1200" dirty="0" err="1" smtClean="0"/>
+                        <a:t>deg</a:t>
+                      </a:r>
+                      <a:endParaRPr lang="en-US" sz="1200" dirty="0"/>
+                    </a:p>
+                  </a:txBody>
+                  <a:tcPr/>
+                </a:tc>
+              </a:tr>
+              <a:tr h="182880">
+                <a:tc>
+                  <a:txBody>
+                    <a:bodyPr/>
+                    <a:lstStyle/>
+                    <a:p>
+                      <a:r>
+                        <a:rPr lang="en-US" sz="1200" dirty="0" smtClean="0"/>
+                        <a:t>Video Format</a:t>
+                      </a:r>
+                      <a:endParaRPr lang="en-US" sz="1200" dirty="0"/>
+                    </a:p>
+                  </a:txBody>
+                  <a:tcPr/>
+                </a:tc>
+                <a:tc>
+                  <a:txBody>
+                    <a:bodyPr/>
+                    <a:lstStyle/>
+                    <a:p>
+                      <a:r>
+                        <a:rPr lang="en-US" sz="1200" dirty="0" smtClean="0"/>
+                        <a:t>h.264</a:t>
+                      </a:r>
+                      <a:endParaRPr lang="en-US" sz="1200" dirty="0"/>
+                    </a:p>
+                  </a:txBody>
+                  <a:tcPr/>
+                </a:tc>
+              </a:tr>
+              <a:tr h="182880">
+                <a:tc>
+                  <a:txBody>
+                    <a:bodyPr/>
+                    <a:lstStyle/>
+                    <a:p>
+                      <a:r>
+                        <a:rPr lang="en-US" sz="1200" dirty="0" smtClean="0"/>
+                        <a:t>Video Metadata</a:t>
+                      </a:r>
+                      <a:endParaRPr lang="en-US" sz="1200" dirty="0"/>
+                    </a:p>
+                  </a:txBody>
+                  <a:tcPr/>
+                </a:tc>
+                <a:tc>
+                  <a:txBody>
+                    <a:bodyPr/>
+                    <a:lstStyle/>
+                    <a:p>
+                      <a:r>
+                        <a:rPr lang="en-US" sz="1200" dirty="0" smtClean="0"/>
+                        <a:t>MISB</a:t>
+                      </a:r>
+                      <a:r>
+                        <a:rPr lang="en-US" sz="1200" baseline="0" dirty="0" smtClean="0"/>
+                        <a:t> Compliant KLV Metadata</a:t>
+                      </a:r>
+                      <a:endParaRPr lang="en-US" sz="1200" dirty="0"/>
+                    </a:p>
+                  </a:txBody>
+                  <a:tcPr/>
+                </a:tc>
+              </a:tr>
+              <a:tr h="182880">
+                <a:tc>
+                  <a:txBody>
+                    <a:bodyPr/>
+                    <a:lstStyle/>
+                    <a:p>
+                      <a:pPr algn="ctr"/>
+                      <a:r>
+                        <a:rPr lang="en-US" sz="1200" dirty="0" smtClean="0"/>
+                        <a:t>EO</a:t>
+                      </a:r>
+                      <a:endParaRPr lang="en-US" sz="1200" dirty="0"/>
+                    </a:p>
+                  </a:txBody>
+                  <a:tcPr/>
+                </a:tc>
+                <a:tc>
+                  <a:txBody>
+                    <a:bodyPr/>
+                    <a:lstStyle/>
+                    <a:p>
+                      <a:endParaRPr lang="en-US" sz="1200" dirty="0"/>
+                    </a:p>
+                  </a:txBody>
+                  <a:tcPr/>
+                </a:tc>
+              </a:tr>
+              <a:tr h="182880">
+                <a:tc>
+                  <a:txBody>
+                    <a:bodyPr/>
+                    <a:lstStyle/>
+                    <a:p>
+                      <a:r>
+                        <a:rPr lang="en-US" sz="1200" dirty="0" smtClean="0"/>
+                        <a:t>GSD (200</a:t>
+                      </a:r>
+                      <a:r>
+                        <a:rPr lang="en-US" sz="1200" baseline="0" dirty="0" smtClean="0"/>
+                        <a:t>m Slant Range)</a:t>
+                      </a:r>
+                      <a:endParaRPr lang="en-US" sz="1200" dirty="0"/>
+                    </a:p>
+                  </a:txBody>
+                  <a:tcPr/>
+                </a:tc>
+                <a:tc>
+                  <a:txBody>
+                    <a:bodyPr/>
+                    <a:lstStyle/>
+                    <a:p>
+                      <a:r>
+                        <a:rPr lang="en-US" sz="1200" dirty="0" smtClean="0"/>
+                        <a:t>0.10 m</a:t>
+                      </a:r>
+                      <a:endParaRPr lang="en-US" sz="1200" dirty="0"/>
+                    </a:p>
+                  </a:txBody>
+                  <a:tcPr/>
+                </a:tc>
+              </a:tr>
+              <a:tr h="182880">
+                <a:tc>
+                  <a:txBody>
+                    <a:bodyPr/>
+                    <a:lstStyle/>
+                    <a:p>
+                      <a:r>
+                        <a:rPr lang="en-US" sz="1200" dirty="0" smtClean="0"/>
+                        <a:t>GSD (1000m Slant</a:t>
+                      </a:r>
+                      <a:r>
+                        <a:rPr lang="en-US" sz="1200" baseline="0" dirty="0" smtClean="0"/>
+                        <a:t> Range)</a:t>
+                      </a:r>
+                      <a:endParaRPr lang="en-US" sz="1200" dirty="0"/>
+                    </a:p>
+                  </a:txBody>
+                  <a:tcPr/>
+                </a:tc>
+                <a:tc>
+                  <a:txBody>
+                    <a:bodyPr/>
+                    <a:lstStyle/>
+                    <a:p>
+                      <a:r>
+                        <a:rPr lang="en-US" sz="1200" dirty="0" smtClean="0"/>
+                        <a:t>0.45 m</a:t>
+                      </a:r>
+                      <a:endParaRPr lang="en-US" sz="1200" dirty="0"/>
+                    </a:p>
+                  </a:txBody>
+                  <a:tcPr/>
+                </a:tc>
+              </a:tr>
+              <a:tr h="182880">
+                <a:tc>
+                  <a:txBody>
+                    <a:bodyPr/>
+                    <a:lstStyle/>
+                    <a:p>
+                      <a:r>
+                        <a:rPr lang="en-US" sz="1200" dirty="0" smtClean="0"/>
+                        <a:t>Frame</a:t>
+                      </a:r>
+                      <a:r>
+                        <a:rPr lang="en-US" sz="1200" baseline="0" dirty="0" smtClean="0"/>
+                        <a:t> Rate</a:t>
+                      </a:r>
+                      <a:endParaRPr lang="en-US" sz="1200" dirty="0"/>
+                    </a:p>
+                  </a:txBody>
+                  <a:tcPr/>
+                </a:tc>
+                <a:tc>
+                  <a:txBody>
+                    <a:bodyPr/>
+                    <a:lstStyle/>
+                    <a:p>
+                      <a:r>
+                        <a:rPr lang="en-US" sz="1200" dirty="0" smtClean="0"/>
+                        <a:t>30 fps</a:t>
+                      </a:r>
+                      <a:endParaRPr lang="en-US" sz="1200" dirty="0"/>
+                    </a:p>
+                  </a:txBody>
+                  <a:tcPr/>
+                </a:tc>
+              </a:tr>
+              <a:tr h="182880">
+                <a:tc>
+                  <a:txBody>
+                    <a:bodyPr/>
+                    <a:lstStyle/>
+                    <a:p>
+                      <a:pPr algn="ctr"/>
+                      <a:r>
+                        <a:rPr lang="en-US" sz="1200" dirty="0" smtClean="0"/>
+                        <a:t>MWIR</a:t>
+                      </a:r>
+                      <a:endParaRPr lang="en-US" sz="1200" dirty="0"/>
+                    </a:p>
+                  </a:txBody>
+                  <a:tcPr/>
+                </a:tc>
+                <a:tc>
+                  <a:txBody>
+                    <a:bodyPr/>
+                    <a:lstStyle/>
+                    <a:p>
+                      <a:endParaRPr lang="en-US" sz="1200" dirty="0"/>
+                    </a:p>
+                  </a:txBody>
+                  <a:tcPr/>
+                </a:tc>
+              </a:tr>
+              <a:tr h="182880">
+                <a:tc>
+                  <a:txBody>
+                    <a:bodyPr/>
+                    <a:lstStyle/>
+                    <a:p>
+                      <a:r>
+                        <a:rPr lang="en-US" sz="1200" dirty="0" smtClean="0"/>
+                        <a:t>GSD (</a:t>
+                      </a:r>
+                      <a:r>
+                        <a:rPr lang="en-US" sz="1200" dirty="0" smtClean="0"/>
+                        <a:t>200</a:t>
+                      </a:r>
+                      <a:r>
+                        <a:rPr lang="en-US" sz="1200" baseline="0" dirty="0" smtClean="0"/>
+                        <a:t>m </a:t>
+                      </a:r>
+                      <a:r>
+                        <a:rPr lang="en-US" sz="1200" baseline="0" dirty="0" smtClean="0"/>
+                        <a:t>Slant Range)</a:t>
+                      </a:r>
+                      <a:endParaRPr lang="en-US" sz="1200" dirty="0"/>
+                    </a:p>
+                  </a:txBody>
+                  <a:tcPr/>
+                </a:tc>
+                <a:tc>
+                  <a:txBody>
+                    <a:bodyPr/>
+                    <a:lstStyle/>
+                    <a:p>
+                      <a:r>
+                        <a:rPr lang="en-US" sz="1200" dirty="0" smtClean="0"/>
+                        <a:t>0.50</a:t>
+                      </a:r>
+                      <a:r>
+                        <a:rPr lang="en-US" sz="1200" baseline="0" dirty="0" smtClean="0"/>
+                        <a:t> m</a:t>
+                      </a:r>
+                      <a:endParaRPr lang="en-US" sz="1200" dirty="0"/>
+                    </a:p>
+                  </a:txBody>
+                  <a:tcPr/>
+                </a:tc>
+              </a:tr>
+              <a:tr h="219594">
+                <a:tc>
+                  <a:txBody>
+                    <a:bodyPr/>
+                    <a:lstStyle/>
+                    <a:p>
+                      <a:r>
+                        <a:rPr lang="en-US" sz="1200" dirty="0" smtClean="0"/>
+                        <a:t>GSD (1000m Slant</a:t>
+                      </a:r>
+                      <a:r>
+                        <a:rPr lang="en-US" sz="1200" baseline="0" dirty="0" smtClean="0"/>
+                        <a:t> Range)</a:t>
+                      </a:r>
+                      <a:endParaRPr lang="en-US" sz="1200" dirty="0"/>
+                    </a:p>
+                  </a:txBody>
+                  <a:tcPr/>
+                </a:tc>
+                <a:tc>
+                  <a:txBody>
+                    <a:bodyPr/>
+                    <a:lstStyle/>
+                    <a:p>
+                      <a:r>
+                        <a:rPr lang="en-US" sz="1200" dirty="0" smtClean="0"/>
+                        <a:t>0.80 m</a:t>
+                      </a:r>
+                      <a:endParaRPr lang="en-US" sz="1200" dirty="0"/>
+                    </a:p>
+                  </a:txBody>
+                  <a:tcPr/>
+                </a:tc>
+              </a:tr>
+              <a:tr h="219594">
+                <a:tc>
+                  <a:txBody>
+                    <a:bodyPr/>
+                    <a:lstStyle/>
+                    <a:p>
+                      <a:r>
+                        <a:rPr lang="en-US" sz="1200" dirty="0" smtClean="0"/>
+                        <a:t>Frame</a:t>
+                      </a:r>
+                      <a:r>
+                        <a:rPr lang="en-US" sz="1200" baseline="0" dirty="0" smtClean="0"/>
+                        <a:t> Rate</a:t>
+                      </a:r>
+                      <a:endParaRPr lang="en-US" sz="1200" dirty="0"/>
+                    </a:p>
+                  </a:txBody>
+                  <a:tcPr/>
+                </a:tc>
+                <a:tc>
+                  <a:txBody>
+                    <a:bodyPr/>
+                    <a:lstStyle/>
+                    <a:p>
+                      <a:r>
+                        <a:rPr lang="en-US" sz="1200" dirty="0" smtClean="0"/>
+                        <a:t>28 fps</a:t>
+                      </a:r>
+                      <a:endParaRPr lang="en-US" sz="1200" dirty="0"/>
+                    </a:p>
+                  </a:txBody>
+                  <a:tcPr/>
+                </a:tc>
+              </a:tr>
+            </a:tbl>
+          </a:graphicData>
+        </a:graphic>
+      </p:graphicFrame>
+      <p:sp>
+        <p:nvSpPr>
+          <p:cNvPr id="8" name="TextBox 7"/>
+          <p:cNvSpPr txBox="1"/>
+          <p:nvPr/>
+        </p:nvSpPr>
+        <p:spPr>
+          <a:xfrm>
+            <a:off x="66675" y="6119990"/>
+            <a:ext cx="4905375" cy="523220"/>
+          </a:xfrm>
+          <a:prstGeom prst="rect">
+            <a:avLst/>
+          </a:prstGeom>
+          <a:noFill/>
+        </p:spPr>
+        <p:txBody>
+          <a:bodyPr wrap="square" rtlCol="0">
+            <a:spAutoFit/>
+          </a:bodyPr>
+          <a:lstStyle/>
+          <a:p>
+            <a:r>
+              <a:rPr lang="en-US" sz="1400" i="1" dirty="0" smtClean="0">
+                <a:solidFill>
+                  <a:srgbClr val="FF0000"/>
+                </a:solidFill>
+              </a:rPr>
+              <a:t>Training Note: This sensor was inspired by </a:t>
+            </a:r>
+            <a:r>
+              <a:rPr lang="en-US" sz="1400" i="1" dirty="0" err="1" smtClean="0">
+                <a:solidFill>
+                  <a:srgbClr val="FF0000"/>
+                </a:solidFill>
+              </a:rPr>
+              <a:t>CloudCap</a:t>
+            </a:r>
+            <a:r>
+              <a:rPr lang="en-US" sz="1400" i="1" dirty="0" smtClean="0">
+                <a:solidFill>
+                  <a:srgbClr val="FF0000"/>
+                </a:solidFill>
+              </a:rPr>
+              <a:t> TASE series sensors, but is completely notional for training. </a:t>
+            </a:r>
+            <a:endParaRPr lang="en-US" sz="1400" i="1" dirty="0">
+              <a:solidFill>
+                <a:srgbClr val="FF0000"/>
+              </a:solidFill>
+            </a:endParaRPr>
+          </a:p>
+        </p:txBody>
+      </p:sp>
+      <p:pic>
+        <p:nvPicPr>
+          <p:cNvPr id="1032" name="Picture 8" descr="Image result for tase400"/>
+          <p:cNvPicPr>
+            <a:picLocks noChangeAspect="1" noChangeArrowheads="1"/>
+          </p:cNvPicPr>
+          <p:nvPr/>
+        </p:nvPicPr>
+        <p:blipFill>
+          <a:blip r:embed="rId3" cstate="print">
+            <a:extLst>
+              <a:ext uri="{28A0092B-C50C-407E-A947-70E740481C1C}">
+                <a14:useLocalDpi xmlns:a14="http://schemas.microsoft.com/office/drawing/2010/main" val="0"/>
+              </a:ext>
+            </a:extLst>
+          </a:blip>
+          <a:srcRect/>
+          <a:stretch>
+            <a:fillRect/>
+          </a:stretch>
+        </p:blipFill>
+        <p:spPr bwMode="auto">
+          <a:xfrm>
+            <a:off x="1634227" y="3814385"/>
+            <a:ext cx="2994025" cy="2251052"/>
+          </a:xfrm>
+          <a:prstGeom prst="rect">
+            <a:avLst/>
+          </a:prstGeom>
+          <a:noFill/>
+          <a:extLst>
+            <a:ext uri="{909E8E84-426E-40DD-AFC4-6F175D3DCCD1}">
+              <a14:hiddenFill xmlns:a14="http://schemas.microsoft.com/office/drawing/2010/main">
+                <a:solidFill>
+                  <a:srgbClr val="FFFFFF"/>
+                </a:solidFill>
+              </a14:hiddenFill>
+            </a:ext>
+          </a:extLst>
+        </p:spPr>
+      </p:pic>
+      <p:pic>
+        <p:nvPicPr>
+          <p:cNvPr id="9" name="Picture 8"/>
+          <p:cNvPicPr>
+            <a:picLocks noChangeAspect="1"/>
+          </p:cNvPicPr>
+          <p:nvPr/>
+        </p:nvPicPr>
+        <p:blipFill>
+          <a:blip r:embed="rId4"/>
+          <a:stretch>
+            <a:fillRect/>
+          </a:stretch>
+        </p:blipFill>
+        <p:spPr>
+          <a:xfrm>
+            <a:off x="66676" y="1549099"/>
+            <a:ext cx="3924300" cy="2210733"/>
+          </a:xfrm>
+          <a:prstGeom prst="rect">
+            <a:avLst/>
+          </a:prstGeom>
+        </p:spPr>
+      </p:pic>
+      <p:pic>
+        <p:nvPicPr>
+          <p:cNvPr id="11" name="Picture 10"/>
+          <p:cNvPicPr>
+            <a:picLocks noChangeAspect="1"/>
+          </p:cNvPicPr>
+          <p:nvPr/>
+        </p:nvPicPr>
+        <p:blipFill>
+          <a:blip r:embed="rId5"/>
+          <a:stretch>
+            <a:fillRect/>
+          </a:stretch>
+        </p:blipFill>
+        <p:spPr>
+          <a:xfrm>
+            <a:off x="3877212" y="1549099"/>
+            <a:ext cx="4120475" cy="2210733"/>
+          </a:xfrm>
+          <a:prstGeom prst="rect">
+            <a:avLst/>
+          </a:prstGeom>
+        </p:spPr>
+      </p:pic>
     </p:spTree>
     <p:extLst>
       <p:ext uri="{BB962C8B-B14F-4D97-AF65-F5344CB8AC3E}">
-        <p14:creationId xmlns:p14="http://schemas.microsoft.com/office/powerpoint/2010/main" val="4161282364"/>
+        <p14:creationId xmlns:p14="http://schemas.microsoft.com/office/powerpoint/2010/main" val="939684929"/>
       </p:ext>
     </p:extLst>
   </p:cSld>
@@ -3992,8 +4878,16 @@
           <a:lstStyle/>
           <a:p>
             <a:r>
+              <a:rPr lang="en-US" dirty="0" err="1" smtClean="0"/>
+              <a:t>Bluefire</a:t>
+            </a:r>
+            <a:r>
               <a:rPr lang="en-US" dirty="0" smtClean="0"/>
-              <a:t>Communications</a:t>
+              <a:t> Wide </a:t>
+            </a:r>
+            <a:r>
+              <a:rPr lang="en-US" dirty="0" smtClean="0"/>
+              <a:t>Area Camera</a:t>
             </a:r>
             <a:endParaRPr lang="en-US" dirty="0"/>
           </a:p>
@@ -4009,49 +4903,1677 @@
             <p:ph idx="1"/>
           </p:nvPr>
         </p:nvSpPr>
-        <p:spPr/>
-        <p:txBody>
-          <a:bodyPr/>
-          <a:lstStyle/>
-          <a:p>
-            <a:r>
-              <a:rPr lang="en-US" dirty="0" smtClean="0"/>
-              <a:t>Payload </a:t>
-            </a:r>
-            <a:r>
-              <a:rPr lang="en-US" dirty="0" err="1" smtClean="0"/>
-              <a:t>comms</a:t>
-            </a:r>
-            <a:r>
-              <a:rPr lang="en-US" dirty="0" smtClean="0"/>
-              <a:t> description</a:t>
-            </a:r>
-          </a:p>
-          <a:p>
-            <a:r>
-              <a:rPr lang="en-US" dirty="0" smtClean="0"/>
-              <a:t>Thinking small T-CDL system</a:t>
-            </a:r>
-          </a:p>
-          <a:p>
-            <a:r>
-              <a:rPr lang="en-US" dirty="0" smtClean="0"/>
-              <a:t>NSA Type-1 encryption</a:t>
-            </a:r>
-          </a:p>
-          <a:p>
-            <a:r>
-              <a:rPr lang="en-US" smtClean="0"/>
-              <a:t>Range description</a:t>
-            </a:r>
-            <a:endParaRPr lang="en-US" dirty="0"/>
+        <p:spPr>
+          <a:xfrm>
+            <a:off x="581025" y="5154941"/>
+            <a:ext cx="6105525" cy="1441449"/>
+          </a:xfrm>
+        </p:spPr>
+        <p:txBody>
+          <a:bodyPr>
+            <a:noAutofit/>
+          </a:bodyPr>
+          <a:lstStyle/>
+          <a:p>
+            <a:r>
+              <a:rPr lang="en-US" sz="2000" dirty="0" smtClean="0"/>
+              <a:t>Can operate in either manual or automatic mode</a:t>
+            </a:r>
+          </a:p>
+          <a:p>
+            <a:r>
+              <a:rPr lang="en-US" sz="2000" dirty="0" smtClean="0"/>
+              <a:t>User selectable day (electro-optic) or night (mid-wave IR)</a:t>
+            </a:r>
+            <a:endParaRPr lang="en-US" sz="2000" dirty="0" smtClean="0"/>
+          </a:p>
+        </p:txBody>
+      </p:sp>
+      <p:pic>
+        <p:nvPicPr>
+          <p:cNvPr id="4" name="Picture 3"/>
+          <p:cNvPicPr>
+            <a:picLocks noChangeAspect="1"/>
+          </p:cNvPicPr>
+          <p:nvPr/>
+        </p:nvPicPr>
+        <p:blipFill>
+          <a:blip r:embed="rId2"/>
+          <a:stretch>
+            <a:fillRect/>
+          </a:stretch>
+        </p:blipFill>
+        <p:spPr>
+          <a:xfrm>
+            <a:off x="141959" y="2256927"/>
+            <a:ext cx="3523737" cy="2325289"/>
+          </a:xfrm>
+          <a:prstGeom prst="rect">
+            <a:avLst/>
+          </a:prstGeom>
+        </p:spPr>
+      </p:pic>
+      <p:sp>
+        <p:nvSpPr>
+          <p:cNvPr id="5" name="TextBox 4"/>
+          <p:cNvSpPr txBox="1"/>
+          <p:nvPr/>
+        </p:nvSpPr>
+        <p:spPr>
+          <a:xfrm>
+            <a:off x="66675" y="6334780"/>
+            <a:ext cx="4905375" cy="523220"/>
+          </a:xfrm>
+          <a:prstGeom prst="rect">
+            <a:avLst/>
+          </a:prstGeom>
+          <a:noFill/>
+        </p:spPr>
+        <p:txBody>
+          <a:bodyPr wrap="square" rtlCol="0">
+            <a:spAutoFit/>
+          </a:bodyPr>
+          <a:lstStyle/>
+          <a:p>
+            <a:r>
+              <a:rPr lang="en-US" sz="1400" i="1" dirty="0" smtClean="0">
+                <a:solidFill>
+                  <a:srgbClr val="FF0000"/>
+                </a:solidFill>
+              </a:rPr>
+              <a:t>Training Note: Image from </a:t>
+            </a:r>
+            <a:r>
+              <a:rPr lang="en-US" sz="1400" i="1" dirty="0" err="1" smtClean="0">
+                <a:solidFill>
+                  <a:srgbClr val="FF0000"/>
+                </a:solidFill>
+              </a:rPr>
+              <a:t>Pixia</a:t>
+            </a:r>
+            <a:r>
+              <a:rPr lang="en-US" sz="1400" i="1" dirty="0" smtClean="0">
+                <a:solidFill>
+                  <a:srgbClr val="FF0000"/>
+                </a:solidFill>
+              </a:rPr>
+              <a:t> website, </a:t>
+            </a:r>
+            <a:r>
+              <a:rPr lang="en-US" sz="1400" dirty="0">
+                <a:hlinkClick r:id="rId3"/>
+              </a:rPr>
+              <a:t>https://www.pixia.com/solutions/hiper-stare/</a:t>
+            </a:r>
+            <a:endParaRPr lang="en-US" sz="1400" i="1" dirty="0">
+              <a:solidFill>
+                <a:srgbClr val="FF0000"/>
+              </a:solidFill>
+            </a:endParaRPr>
+          </a:p>
+        </p:txBody>
+      </p:sp>
+      <p:graphicFrame>
+        <p:nvGraphicFramePr>
+          <p:cNvPr id="6" name="Table 5"/>
+          <p:cNvGraphicFramePr>
+            <a:graphicFrameLocks noGrp="1"/>
+          </p:cNvGraphicFramePr>
+          <p:nvPr>
+            <p:extLst>
+              <p:ext uri="{D42A27DB-BD31-4B8C-83A1-F6EECF244321}">
+                <p14:modId xmlns:p14="http://schemas.microsoft.com/office/powerpoint/2010/main" val="3683809291"/>
+              </p:ext>
+            </p:extLst>
+          </p:nvPr>
+        </p:nvGraphicFramePr>
+        <p:xfrm>
+          <a:off x="8029014" y="2095500"/>
+          <a:ext cx="3759200" cy="4114800"/>
+        </p:xfrm>
+        <a:graphic>
+          <a:graphicData uri="http://schemas.openxmlformats.org/drawingml/2006/table">
+            <a:tbl>
+              <a:tblPr firstRow="1" bandRow="1">
+                <a:tableStyleId>{5C22544A-7EE6-4342-B048-85BDC9FD1C3A}</a:tableStyleId>
+              </a:tblPr>
+              <a:tblGrid>
+                <a:gridCol w="1581711"/>
+                <a:gridCol w="2177489"/>
+              </a:tblGrid>
+              <a:tr h="256550">
+                <a:tc>
+                  <a:txBody>
+                    <a:bodyPr/>
+                    <a:lstStyle/>
+                    <a:p>
+                      <a:endParaRPr lang="en-US" sz="1200" dirty="0"/>
+                    </a:p>
+                  </a:txBody>
+                  <a:tcPr/>
+                </a:tc>
+                <a:tc>
+                  <a:txBody>
+                    <a:bodyPr/>
+                    <a:lstStyle/>
+                    <a:p>
+                      <a:endParaRPr lang="en-US" sz="1200"/>
+                    </a:p>
+                  </a:txBody>
+                  <a:tcPr/>
+                </a:tc>
+              </a:tr>
+              <a:tr h="182880">
+                <a:tc>
+                  <a:txBody>
+                    <a:bodyPr/>
+                    <a:lstStyle/>
+                    <a:p>
+                      <a:r>
+                        <a:rPr lang="en-US" sz="1200" dirty="0" smtClean="0"/>
+                        <a:t>Weight</a:t>
+                      </a:r>
+                      <a:endParaRPr lang="en-US" sz="1200" dirty="0"/>
+                    </a:p>
+                  </a:txBody>
+                  <a:tcPr/>
+                </a:tc>
+                <a:tc>
+                  <a:txBody>
+                    <a:bodyPr/>
+                    <a:lstStyle/>
+                    <a:p>
+                      <a:r>
+                        <a:rPr lang="en-US" sz="1200" dirty="0" smtClean="0"/>
+                        <a:t>12 </a:t>
+                      </a:r>
+                      <a:r>
+                        <a:rPr lang="en-US" sz="1200" dirty="0" err="1" smtClean="0"/>
+                        <a:t>lbs</a:t>
+                      </a:r>
+                      <a:endParaRPr lang="en-US" sz="1200" dirty="0"/>
+                    </a:p>
+                  </a:txBody>
+                  <a:tcPr/>
+                </a:tc>
+              </a:tr>
+              <a:tr h="182880">
+                <a:tc>
+                  <a:txBody>
+                    <a:bodyPr/>
+                    <a:lstStyle/>
+                    <a:p>
+                      <a:r>
+                        <a:rPr lang="en-US" sz="1200" dirty="0" smtClean="0"/>
+                        <a:t>Coverage</a:t>
+                      </a:r>
+                      <a:r>
+                        <a:rPr lang="en-US" sz="1200" baseline="0" dirty="0" smtClean="0"/>
+                        <a:t> Area (200 </a:t>
+                      </a:r>
+                      <a:r>
+                        <a:rPr lang="en-US" sz="1200" baseline="0" dirty="0" err="1" smtClean="0"/>
+                        <a:t>ft</a:t>
+                      </a:r>
+                      <a:r>
+                        <a:rPr lang="en-US" sz="1200" baseline="0" dirty="0" smtClean="0"/>
+                        <a:t> AGL)</a:t>
+                      </a:r>
+                      <a:endParaRPr lang="en-US" sz="1200" dirty="0"/>
+                    </a:p>
+                  </a:txBody>
+                  <a:tcPr/>
+                </a:tc>
+                <a:tc>
+                  <a:txBody>
+                    <a:bodyPr/>
+                    <a:lstStyle/>
+                    <a:p>
+                      <a:r>
+                        <a:rPr lang="en-US" sz="1200" dirty="0" smtClean="0"/>
+                        <a:t>380,000 </a:t>
+                      </a:r>
+                      <a:r>
+                        <a:rPr lang="en-US" sz="1200" dirty="0" err="1" smtClean="0"/>
+                        <a:t>sq</a:t>
+                      </a:r>
+                      <a:r>
+                        <a:rPr lang="en-US" sz="1200" baseline="0" dirty="0" smtClean="0"/>
+                        <a:t> </a:t>
+                      </a:r>
+                      <a:r>
+                        <a:rPr lang="en-US" sz="1200" baseline="0" dirty="0" err="1" smtClean="0"/>
+                        <a:t>ft</a:t>
+                      </a:r>
+                      <a:endParaRPr lang="en-US" sz="1200" dirty="0"/>
+                    </a:p>
+                  </a:txBody>
+                  <a:tcPr/>
+                </a:tc>
+              </a:tr>
+              <a:tr h="182880">
+                <a:tc>
+                  <a:txBody>
+                    <a:bodyPr/>
+                    <a:lstStyle/>
+                    <a:p>
+                      <a:r>
+                        <a:rPr lang="en-US" sz="1200" dirty="0" smtClean="0"/>
+                        <a:t>Image Format</a:t>
+                      </a:r>
+                      <a:endParaRPr lang="en-US" sz="1200" dirty="0"/>
+                    </a:p>
+                  </a:txBody>
+                  <a:tcPr/>
+                </a:tc>
+                <a:tc>
+                  <a:txBody>
+                    <a:bodyPr/>
+                    <a:lstStyle/>
+                    <a:p>
+                      <a:r>
+                        <a:rPr lang="en-US" sz="1200" dirty="0" smtClean="0"/>
+                        <a:t>NITF Compliant JPEG 2000</a:t>
+                      </a:r>
+                      <a:r>
+                        <a:rPr lang="en-US" sz="1200" baseline="0" dirty="0" smtClean="0"/>
+                        <a:t> Compressed</a:t>
+                      </a:r>
+                      <a:endParaRPr lang="en-US" sz="1200" dirty="0"/>
+                    </a:p>
+                  </a:txBody>
+                  <a:tcPr/>
+                </a:tc>
+              </a:tr>
+              <a:tr h="182880">
+                <a:tc>
+                  <a:txBody>
+                    <a:bodyPr/>
+                    <a:lstStyle/>
+                    <a:p>
+                      <a:r>
+                        <a:rPr lang="en-US" sz="1200" dirty="0" smtClean="0"/>
+                        <a:t>Video Metadata</a:t>
+                      </a:r>
+                      <a:endParaRPr lang="en-US" sz="1200" dirty="0"/>
+                    </a:p>
+                  </a:txBody>
+                  <a:tcPr/>
+                </a:tc>
+                <a:tc>
+                  <a:txBody>
+                    <a:bodyPr/>
+                    <a:lstStyle/>
+                    <a:p>
+                      <a:r>
+                        <a:rPr lang="en-US" sz="1200" dirty="0" smtClean="0"/>
+                        <a:t>MISB</a:t>
+                      </a:r>
+                      <a:r>
+                        <a:rPr lang="en-US" sz="1200" baseline="0" dirty="0" smtClean="0"/>
+                        <a:t> Compliant KLV Metadata</a:t>
+                      </a:r>
+                      <a:endParaRPr lang="en-US" sz="1200" dirty="0"/>
+                    </a:p>
+                  </a:txBody>
+                  <a:tcPr/>
+                </a:tc>
+              </a:tr>
+              <a:tr h="182880">
+                <a:tc>
+                  <a:txBody>
+                    <a:bodyPr/>
+                    <a:lstStyle/>
+                    <a:p>
+                      <a:pPr algn="ctr"/>
+                      <a:r>
+                        <a:rPr lang="en-US" sz="1200" dirty="0" smtClean="0"/>
+                        <a:t>EO</a:t>
+                      </a:r>
+                      <a:endParaRPr lang="en-US" sz="1200" dirty="0"/>
+                    </a:p>
+                  </a:txBody>
+                  <a:tcPr/>
+                </a:tc>
+                <a:tc>
+                  <a:txBody>
+                    <a:bodyPr/>
+                    <a:lstStyle/>
+                    <a:p>
+                      <a:endParaRPr lang="en-US" sz="1200" dirty="0"/>
+                    </a:p>
+                  </a:txBody>
+                  <a:tcPr/>
+                </a:tc>
+              </a:tr>
+              <a:tr h="182880">
+                <a:tc>
+                  <a:txBody>
+                    <a:bodyPr/>
+                    <a:lstStyle/>
+                    <a:p>
+                      <a:r>
+                        <a:rPr lang="en-US" sz="1200" dirty="0" smtClean="0"/>
+                        <a:t>GSD</a:t>
+                      </a:r>
+                      <a:endParaRPr lang="en-US" sz="1200" dirty="0"/>
+                    </a:p>
+                  </a:txBody>
+                  <a:tcPr/>
+                </a:tc>
+                <a:tc>
+                  <a:txBody>
+                    <a:bodyPr/>
+                    <a:lstStyle/>
+                    <a:p>
+                      <a:r>
+                        <a:rPr lang="en-US" sz="1200" dirty="0" smtClean="0"/>
+                        <a:t>0.40 m</a:t>
+                      </a:r>
+                      <a:endParaRPr lang="en-US" sz="1200" dirty="0"/>
+                    </a:p>
+                  </a:txBody>
+                  <a:tcPr/>
+                </a:tc>
+              </a:tr>
+              <a:tr h="182880">
+                <a:tc>
+                  <a:txBody>
+                    <a:bodyPr/>
+                    <a:lstStyle/>
+                    <a:p>
+                      <a:r>
+                        <a:rPr lang="en-US" sz="1200" dirty="0" smtClean="0"/>
+                        <a:t>Latency</a:t>
+                      </a:r>
+                      <a:endParaRPr lang="en-US" sz="1200" dirty="0"/>
+                    </a:p>
+                  </a:txBody>
+                  <a:tcPr/>
+                </a:tc>
+                <a:tc>
+                  <a:txBody>
+                    <a:bodyPr/>
+                    <a:lstStyle/>
+                    <a:p>
+                      <a:r>
+                        <a:rPr lang="en-US" sz="1200" dirty="0" smtClean="0"/>
+                        <a:t>1.25 seconds</a:t>
+                      </a:r>
+                      <a:endParaRPr lang="en-US" sz="1200" dirty="0"/>
+                    </a:p>
+                  </a:txBody>
+                  <a:tcPr/>
+                </a:tc>
+              </a:tr>
+              <a:tr h="182880">
+                <a:tc>
+                  <a:txBody>
+                    <a:bodyPr/>
+                    <a:lstStyle/>
+                    <a:p>
+                      <a:r>
+                        <a:rPr lang="en-US" sz="1200" dirty="0" smtClean="0"/>
+                        <a:t>Frame</a:t>
+                      </a:r>
+                      <a:r>
+                        <a:rPr lang="en-US" sz="1200" baseline="0" dirty="0" smtClean="0"/>
+                        <a:t> Rate</a:t>
+                      </a:r>
+                      <a:endParaRPr lang="en-US" sz="1200" dirty="0"/>
+                    </a:p>
+                  </a:txBody>
+                  <a:tcPr/>
+                </a:tc>
+                <a:tc>
+                  <a:txBody>
+                    <a:bodyPr/>
+                    <a:lstStyle/>
+                    <a:p>
+                      <a:r>
+                        <a:rPr lang="en-US" sz="1200" dirty="0" smtClean="0"/>
+                        <a:t>3 fps</a:t>
+                      </a:r>
+                      <a:endParaRPr lang="en-US" sz="1200" dirty="0"/>
+                    </a:p>
+                  </a:txBody>
+                  <a:tcPr/>
+                </a:tc>
+              </a:tr>
+              <a:tr h="182880">
+                <a:tc>
+                  <a:txBody>
+                    <a:bodyPr/>
+                    <a:lstStyle/>
+                    <a:p>
+                      <a:pPr algn="ctr"/>
+                      <a:r>
+                        <a:rPr lang="en-US" sz="1200" dirty="0" smtClean="0"/>
+                        <a:t>MWIR</a:t>
+                      </a:r>
+                      <a:endParaRPr lang="en-US" sz="1200" dirty="0"/>
+                    </a:p>
+                  </a:txBody>
+                  <a:tcPr/>
+                </a:tc>
+                <a:tc>
+                  <a:txBody>
+                    <a:bodyPr/>
+                    <a:lstStyle/>
+                    <a:p>
+                      <a:endParaRPr lang="en-US" sz="1200" dirty="0"/>
+                    </a:p>
+                  </a:txBody>
+                  <a:tcPr/>
+                </a:tc>
+              </a:tr>
+              <a:tr h="182880">
+                <a:tc>
+                  <a:txBody>
+                    <a:bodyPr/>
+                    <a:lstStyle/>
+                    <a:p>
+                      <a:r>
+                        <a:rPr lang="en-US" sz="1200" dirty="0" smtClean="0"/>
+                        <a:t>GSD</a:t>
+                      </a:r>
+                      <a:endParaRPr lang="en-US" sz="1200" dirty="0"/>
+                    </a:p>
+                  </a:txBody>
+                  <a:tcPr/>
+                </a:tc>
+                <a:tc>
+                  <a:txBody>
+                    <a:bodyPr/>
+                    <a:lstStyle/>
+                    <a:p>
+                      <a:r>
+                        <a:rPr lang="en-US" sz="1200" dirty="0" smtClean="0"/>
+                        <a:t>0.60</a:t>
+                      </a:r>
+                      <a:r>
+                        <a:rPr lang="en-US" sz="1200" baseline="0" dirty="0" smtClean="0"/>
+                        <a:t> m</a:t>
+                      </a:r>
+                      <a:endParaRPr lang="en-US" sz="1200" dirty="0"/>
+                    </a:p>
+                  </a:txBody>
+                  <a:tcPr/>
+                </a:tc>
+              </a:tr>
+              <a:tr h="219594">
+                <a:tc>
+                  <a:txBody>
+                    <a:bodyPr/>
+                    <a:lstStyle/>
+                    <a:p>
+                      <a:r>
+                        <a:rPr lang="en-US" sz="1200" dirty="0" smtClean="0"/>
+                        <a:t>Latency</a:t>
+                      </a:r>
+                      <a:endParaRPr lang="en-US" sz="1200" dirty="0"/>
+                    </a:p>
+                  </a:txBody>
+                  <a:tcPr/>
+                </a:tc>
+                <a:tc>
+                  <a:txBody>
+                    <a:bodyPr/>
+                    <a:lstStyle/>
+                    <a:p>
+                      <a:r>
+                        <a:rPr lang="en-US" sz="1200" dirty="0" smtClean="0"/>
+                        <a:t>2</a:t>
+                      </a:r>
+                      <a:r>
+                        <a:rPr lang="en-US" sz="1200" baseline="0" dirty="0" smtClean="0"/>
+                        <a:t> seconds</a:t>
+                      </a:r>
+                      <a:endParaRPr lang="en-US" sz="1200" dirty="0"/>
+                    </a:p>
+                  </a:txBody>
+                  <a:tcPr/>
+                </a:tc>
+              </a:tr>
+              <a:tr h="219594">
+                <a:tc>
+                  <a:txBody>
+                    <a:bodyPr/>
+                    <a:lstStyle/>
+                    <a:p>
+                      <a:r>
+                        <a:rPr lang="en-US" sz="1200" dirty="0" smtClean="0"/>
+                        <a:t>Frame</a:t>
+                      </a:r>
+                      <a:r>
+                        <a:rPr lang="en-US" sz="1200" baseline="0" dirty="0" smtClean="0"/>
+                        <a:t> Rate</a:t>
+                      </a:r>
+                      <a:endParaRPr lang="en-US" sz="1200" dirty="0"/>
+                    </a:p>
+                  </a:txBody>
+                  <a:tcPr/>
+                </a:tc>
+                <a:tc>
+                  <a:txBody>
+                    <a:bodyPr/>
+                    <a:lstStyle/>
+                    <a:p>
+                      <a:r>
+                        <a:rPr lang="en-US" sz="1200" dirty="0" smtClean="0"/>
+                        <a:t>1.5 fps</a:t>
+                      </a:r>
+                      <a:endParaRPr lang="en-US" sz="1200" dirty="0"/>
+                    </a:p>
+                  </a:txBody>
+                  <a:tcPr/>
+                </a:tc>
+              </a:tr>
+            </a:tbl>
+          </a:graphicData>
+        </a:graphic>
+      </p:graphicFrame>
+      <p:pic>
+        <p:nvPicPr>
+          <p:cNvPr id="26" name="Picture 25"/>
+          <p:cNvPicPr>
+            <a:picLocks noChangeAspect="1"/>
+          </p:cNvPicPr>
+          <p:nvPr/>
+        </p:nvPicPr>
+        <p:blipFill>
+          <a:blip r:embed="rId4"/>
+          <a:stretch>
+            <a:fillRect/>
+          </a:stretch>
+        </p:blipFill>
+        <p:spPr>
+          <a:xfrm>
+            <a:off x="3792094" y="2348087"/>
+            <a:ext cx="1837042" cy="1804813"/>
+          </a:xfrm>
+          <a:prstGeom prst="rect">
+            <a:avLst/>
+          </a:prstGeom>
+        </p:spPr>
+      </p:pic>
+      <p:pic>
+        <p:nvPicPr>
+          <p:cNvPr id="27" name="Picture 2" descr="http://www.cloudcaptech.com/images/uploads/product/_detail/TASE400_BLK_ll.jpg"/>
+          <p:cNvPicPr>
+            <a:picLocks noChangeAspect="1" noChangeArrowheads="1"/>
+          </p:cNvPicPr>
+          <p:nvPr/>
+        </p:nvPicPr>
+        <p:blipFill>
+          <a:blip r:embed="rId5" cstate="print">
+            <a:extLst>
+              <a:ext uri="{28A0092B-C50C-407E-A947-70E740481C1C}">
+                <a14:useLocalDpi xmlns:a14="http://schemas.microsoft.com/office/drawing/2010/main" val="0"/>
+              </a:ext>
+            </a:extLst>
+          </a:blip>
+          <a:srcRect/>
+          <a:stretch>
+            <a:fillRect/>
+          </a:stretch>
+        </p:blipFill>
+        <p:spPr bwMode="auto">
+          <a:xfrm>
+            <a:off x="6204715" y="2445119"/>
+            <a:ext cx="595032" cy="758626"/>
+          </a:xfrm>
+          <a:prstGeom prst="rect">
+            <a:avLst/>
+          </a:prstGeom>
+          <a:noFill/>
+          <a:extLst>
+            <a:ext uri="{909E8E84-426E-40DD-AFC4-6F175D3DCCD1}">
+              <a14:hiddenFill xmlns:a14="http://schemas.microsoft.com/office/drawing/2010/main">
+                <a:solidFill>
+                  <a:srgbClr val="FFFFFF"/>
+                </a:solidFill>
+              </a14:hiddenFill>
+            </a:ext>
+          </a:extLst>
+        </p:spPr>
+      </p:pic>
+      <p:sp>
+        <p:nvSpPr>
+          <p:cNvPr id="28" name="Rectangle 27"/>
+          <p:cNvSpPr/>
+          <p:nvPr/>
+        </p:nvSpPr>
+        <p:spPr>
+          <a:xfrm>
+            <a:off x="6707841" y="2394099"/>
+            <a:ext cx="200025" cy="379313"/>
+          </a:xfrm>
+          <a:prstGeom prst="rect">
+            <a:avLst/>
+          </a:prstGeom>
+          <a:scene3d>
+            <a:camera prst="orthographicFront">
+              <a:rot lat="0" lon="0" rev="600000"/>
+            </a:camera>
+            <a:lightRig rig="threePt" dir="t"/>
+          </a:scene3d>
+        </p:spPr>
+        <p:style>
+          <a:lnRef idx="2">
+            <a:schemeClr val="accent1">
+              <a:shade val="50000"/>
+            </a:schemeClr>
+          </a:lnRef>
+          <a:fillRef idx="1">
+            <a:schemeClr val="accent1"/>
+          </a:fillRef>
+          <a:effectRef idx="0">
+            <a:schemeClr val="accent1"/>
+          </a:effectRef>
+          <a:fontRef idx="minor">
+            <a:schemeClr val="lt1"/>
+          </a:fontRef>
+        </p:style>
+        <p:txBody>
+          <a:bodyPr rtlCol="0" anchor="ctr"/>
+          <a:lstStyle/>
+          <a:p>
+            <a:pPr algn="ctr"/>
+            <a:endParaRPr lang="en-US"/>
+          </a:p>
+        </p:txBody>
+      </p:sp>
+      <p:cxnSp>
+        <p:nvCxnSpPr>
+          <p:cNvPr id="31" name="Straight Connector 30"/>
+          <p:cNvCxnSpPr>
+            <a:endCxn id="37" idx="0"/>
+          </p:cNvCxnSpPr>
+          <p:nvPr/>
+        </p:nvCxnSpPr>
+        <p:spPr>
+          <a:xfrm flipH="1">
+            <a:off x="6429095" y="2773412"/>
+            <a:ext cx="408317" cy="1922413"/>
+          </a:xfrm>
+          <a:prstGeom prst="line">
+            <a:avLst/>
+          </a:prstGeom>
+        </p:spPr>
+        <p:style>
+          <a:lnRef idx="1">
+            <a:schemeClr val="accent1"/>
+          </a:lnRef>
+          <a:fillRef idx="0">
+            <a:schemeClr val="accent1"/>
+          </a:fillRef>
+          <a:effectRef idx="0">
+            <a:schemeClr val="accent1"/>
+          </a:effectRef>
+          <a:fontRef idx="minor">
+            <a:schemeClr val="tx1"/>
+          </a:fontRef>
+        </p:style>
+      </p:cxnSp>
+      <p:cxnSp>
+        <p:nvCxnSpPr>
+          <p:cNvPr id="32" name="Straight Connector 31"/>
+          <p:cNvCxnSpPr/>
+          <p:nvPr/>
+        </p:nvCxnSpPr>
+        <p:spPr>
+          <a:xfrm>
+            <a:off x="6852467" y="2773412"/>
+            <a:ext cx="937010" cy="1922413"/>
+          </a:xfrm>
+          <a:prstGeom prst="line">
+            <a:avLst/>
+          </a:prstGeom>
+        </p:spPr>
+        <p:style>
+          <a:lnRef idx="1">
+            <a:schemeClr val="accent1"/>
+          </a:lnRef>
+          <a:fillRef idx="0">
+            <a:schemeClr val="accent1"/>
+          </a:fillRef>
+          <a:effectRef idx="0">
+            <a:schemeClr val="accent1"/>
+          </a:effectRef>
+          <a:fontRef idx="minor">
+            <a:schemeClr val="tx1"/>
+          </a:fontRef>
+        </p:style>
+      </p:cxnSp>
+      <p:sp>
+        <p:nvSpPr>
+          <p:cNvPr id="37" name="Rectangle 36"/>
+          <p:cNvSpPr/>
+          <p:nvPr/>
+        </p:nvSpPr>
+        <p:spPr>
+          <a:xfrm>
+            <a:off x="4829175" y="4695825"/>
+            <a:ext cx="3199839" cy="123825"/>
+          </a:xfrm>
+          <a:prstGeom prst="rect">
+            <a:avLst/>
+          </a:prstGeom>
+        </p:spPr>
+        <p:style>
+          <a:lnRef idx="2">
+            <a:schemeClr val="accent1">
+              <a:shade val="50000"/>
+            </a:schemeClr>
+          </a:lnRef>
+          <a:fillRef idx="1">
+            <a:schemeClr val="accent1"/>
+          </a:fillRef>
+          <a:effectRef idx="0">
+            <a:schemeClr val="accent1"/>
+          </a:effectRef>
+          <a:fontRef idx="minor">
+            <a:schemeClr val="lt1"/>
+          </a:fontRef>
+        </p:style>
+        <p:txBody>
+          <a:bodyPr rtlCol="0" anchor="ctr"/>
+          <a:lstStyle/>
+          <a:p>
+            <a:pPr algn="ctr"/>
+            <a:endParaRPr lang="en-US"/>
+          </a:p>
+        </p:txBody>
+      </p:sp>
+      <p:sp>
+        <p:nvSpPr>
+          <p:cNvPr id="40" name="Rectangle 39"/>
+          <p:cNvSpPr/>
+          <p:nvPr/>
+        </p:nvSpPr>
+        <p:spPr>
+          <a:xfrm>
+            <a:off x="6062382" y="2395116"/>
+            <a:ext cx="200025" cy="379313"/>
+          </a:xfrm>
+          <a:prstGeom prst="rect">
+            <a:avLst/>
+          </a:prstGeom>
+          <a:scene3d>
+            <a:camera prst="orthographicFront">
+              <a:rot lat="0" lon="0" rev="21000000"/>
+            </a:camera>
+            <a:lightRig rig="threePt" dir="t"/>
+          </a:scene3d>
+        </p:spPr>
+        <p:style>
+          <a:lnRef idx="2">
+            <a:schemeClr val="accent1">
+              <a:shade val="50000"/>
+            </a:schemeClr>
+          </a:lnRef>
+          <a:fillRef idx="1">
+            <a:schemeClr val="accent1"/>
+          </a:fillRef>
+          <a:effectRef idx="0">
+            <a:schemeClr val="accent1"/>
+          </a:effectRef>
+          <a:fontRef idx="minor">
+            <a:schemeClr val="lt1"/>
+          </a:fontRef>
+        </p:style>
+        <p:txBody>
+          <a:bodyPr rtlCol="0" anchor="ctr"/>
+          <a:lstStyle/>
+          <a:p>
+            <a:pPr algn="ctr"/>
+            <a:endParaRPr lang="en-US"/>
+          </a:p>
+        </p:txBody>
+      </p:sp>
+      <p:cxnSp>
+        <p:nvCxnSpPr>
+          <p:cNvPr id="41" name="Straight Connector 40"/>
+          <p:cNvCxnSpPr>
+            <a:endCxn id="37" idx="0"/>
+          </p:cNvCxnSpPr>
+          <p:nvPr/>
+        </p:nvCxnSpPr>
+        <p:spPr>
+          <a:xfrm>
+            <a:off x="6147263" y="2788821"/>
+            <a:ext cx="281832" cy="1907004"/>
+          </a:xfrm>
+          <a:prstGeom prst="line">
+            <a:avLst/>
+          </a:prstGeom>
+        </p:spPr>
+        <p:style>
+          <a:lnRef idx="1">
+            <a:schemeClr val="accent1"/>
+          </a:lnRef>
+          <a:fillRef idx="0">
+            <a:schemeClr val="accent1"/>
+          </a:fillRef>
+          <a:effectRef idx="0">
+            <a:schemeClr val="accent1"/>
+          </a:effectRef>
+          <a:fontRef idx="minor">
+            <a:schemeClr val="tx1"/>
+          </a:fontRef>
+        </p:style>
+      </p:cxnSp>
+      <p:cxnSp>
+        <p:nvCxnSpPr>
+          <p:cNvPr id="44" name="Straight Connector 43"/>
+          <p:cNvCxnSpPr/>
+          <p:nvPr/>
+        </p:nvCxnSpPr>
+        <p:spPr>
+          <a:xfrm flipH="1">
+            <a:off x="5165610" y="2788821"/>
+            <a:ext cx="977233" cy="1936804"/>
+          </a:xfrm>
+          <a:prstGeom prst="line">
+            <a:avLst/>
+          </a:prstGeom>
+        </p:spPr>
+        <p:style>
+          <a:lnRef idx="1">
+            <a:schemeClr val="accent1"/>
+          </a:lnRef>
+          <a:fillRef idx="0">
+            <a:schemeClr val="accent1"/>
+          </a:fillRef>
+          <a:effectRef idx="0">
+            <a:schemeClr val="accent1"/>
+          </a:effectRef>
+          <a:fontRef idx="minor">
+            <a:schemeClr val="tx1"/>
+          </a:fontRef>
+        </p:style>
+      </p:cxnSp>
+      <p:cxnSp>
+        <p:nvCxnSpPr>
+          <p:cNvPr id="47" name="Straight Connector 46"/>
+          <p:cNvCxnSpPr/>
+          <p:nvPr/>
+        </p:nvCxnSpPr>
+        <p:spPr>
+          <a:xfrm>
+            <a:off x="6846709" y="2824432"/>
+            <a:ext cx="296378" cy="1871393"/>
+          </a:xfrm>
+          <a:prstGeom prst="line">
+            <a:avLst/>
+          </a:prstGeom>
+          <a:ln>
+            <a:prstDash val="sysDash"/>
+          </a:ln>
+        </p:spPr>
+        <p:style>
+          <a:lnRef idx="1">
+            <a:schemeClr val="accent1"/>
+          </a:lnRef>
+          <a:fillRef idx="0">
+            <a:schemeClr val="accent1"/>
+          </a:fillRef>
+          <a:effectRef idx="0">
+            <a:schemeClr val="accent1"/>
+          </a:effectRef>
+          <a:fontRef idx="minor">
+            <a:schemeClr val="tx1"/>
+          </a:fontRef>
+        </p:style>
+      </p:cxnSp>
+      <p:cxnSp>
+        <p:nvCxnSpPr>
+          <p:cNvPr id="49" name="Straight Connector 48"/>
+          <p:cNvCxnSpPr/>
+          <p:nvPr/>
+        </p:nvCxnSpPr>
+        <p:spPr>
+          <a:xfrm flipH="1">
+            <a:off x="5771469" y="2781117"/>
+            <a:ext cx="371146" cy="1944509"/>
+          </a:xfrm>
+          <a:prstGeom prst="line">
+            <a:avLst/>
+          </a:prstGeom>
+          <a:ln>
+            <a:prstDash val="sysDash"/>
+          </a:ln>
+        </p:spPr>
+        <p:style>
+          <a:lnRef idx="1">
+            <a:schemeClr val="accent1"/>
+          </a:lnRef>
+          <a:fillRef idx="0">
+            <a:schemeClr val="accent1"/>
+          </a:fillRef>
+          <a:effectRef idx="0">
+            <a:schemeClr val="accent1"/>
+          </a:effectRef>
+          <a:fontRef idx="minor">
+            <a:schemeClr val="tx1"/>
+          </a:fontRef>
+        </p:style>
+      </p:cxnSp>
+      <p:sp>
+        <p:nvSpPr>
+          <p:cNvPr id="52" name="TextBox 51"/>
+          <p:cNvSpPr txBox="1"/>
+          <p:nvPr/>
+        </p:nvSpPr>
+        <p:spPr>
+          <a:xfrm>
+            <a:off x="4392533" y="1551047"/>
+            <a:ext cx="3976547" cy="738664"/>
+          </a:xfrm>
+          <a:prstGeom prst="rect">
+            <a:avLst/>
+          </a:prstGeom>
+          <a:noFill/>
+        </p:spPr>
+        <p:txBody>
+          <a:bodyPr wrap="square" rtlCol="0">
+            <a:spAutoFit/>
+          </a:bodyPr>
+          <a:lstStyle/>
+          <a:p>
+            <a:r>
+              <a:rPr lang="en-US" sz="1400" dirty="0" smtClean="0"/>
+              <a:t>4 images are taken simultaneously and sent to the ground station, where they are stitched together into a single image</a:t>
+            </a:r>
+            <a:endParaRPr lang="en-US" sz="1400" dirty="0"/>
           </a:p>
         </p:txBody>
       </p:sp>
     </p:spTree>
     <p:extLst>
       <p:ext uri="{BB962C8B-B14F-4D97-AF65-F5344CB8AC3E}">
-        <p14:creationId xmlns:p14="http://schemas.microsoft.com/office/powerpoint/2010/main" val="1171869556"/>
+        <p14:creationId xmlns:p14="http://schemas.microsoft.com/office/powerpoint/2010/main" val="4161282364"/>
+      </p:ext>
+    </p:extLst>
+  </p:cSld>
+  <p:clrMapOvr>
+    <a:masterClrMapping/>
+  </p:clrMapOvr>
+</p:sld>
+</file>
+
+<file path=ppt/slides/slide6.xml><?xml version="1.0" encoding="utf-8"?>
+<p:sld xmlns:a="http://schemas.openxmlformats.org/drawingml/2006/main" xmlns:r="http://schemas.openxmlformats.org/officeDocument/2006/relationships" xmlns:p="http://schemas.openxmlformats.org/presentationml/2006/main">
+  <p:cSld>
+    <p:spTree>
+      <p:nvGrpSpPr>
+        <p:cNvPr id="1" name=""/>
+        <p:cNvGrpSpPr/>
+        <p:nvPr/>
+      </p:nvGrpSpPr>
+      <p:grpSpPr>
+        <a:xfrm>
+          <a:off x="0" y="0"/>
+          <a:ext cx="0" cy="0"/>
+          <a:chOff x="0" y="0"/>
+          <a:chExt cx="0" cy="0"/>
+        </a:xfrm>
+      </p:grpSpPr>
+      <p:sp>
+        <p:nvSpPr>
+          <p:cNvPr id="2" name="Title 1"/>
+          <p:cNvSpPr>
+            <a:spLocks noGrp="1"/>
+          </p:cNvSpPr>
+          <p:nvPr>
+            <p:ph type="title"/>
+          </p:nvPr>
+        </p:nvSpPr>
+        <p:spPr/>
+        <p:txBody>
+          <a:bodyPr>
+            <a:normAutofit fontScale="90000"/>
+          </a:bodyPr>
+          <a:lstStyle/>
+          <a:p>
+            <a:r>
+              <a:rPr lang="en-US" dirty="0" smtClean="0"/>
+              <a:t>Mission Computer and Communications</a:t>
+            </a:r>
+            <a:endParaRPr lang="en-US" dirty="0"/>
+          </a:p>
+        </p:txBody>
+      </p:sp>
+      <p:sp>
+        <p:nvSpPr>
+          <p:cNvPr id="3" name="Content Placeholder 2"/>
+          <p:cNvSpPr>
+            <a:spLocks noGrp="1"/>
+          </p:cNvSpPr>
+          <p:nvPr>
+            <p:ph idx="1"/>
+          </p:nvPr>
+        </p:nvSpPr>
+        <p:spPr>
+          <a:xfrm>
+            <a:off x="838200" y="1587500"/>
+            <a:ext cx="5543550" cy="4589463"/>
+          </a:xfrm>
+        </p:spPr>
+        <p:txBody>
+          <a:bodyPr>
+            <a:normAutofit/>
+          </a:bodyPr>
+          <a:lstStyle/>
+          <a:p>
+            <a:r>
+              <a:rPr lang="en-US" sz="2000" dirty="0" smtClean="0"/>
+              <a:t>Hardened Single Board Computer</a:t>
+            </a:r>
+          </a:p>
+          <a:p>
+            <a:r>
+              <a:rPr lang="en-US" sz="2000" dirty="0" smtClean="0"/>
+              <a:t>Runs all mission processing applications</a:t>
+            </a:r>
+          </a:p>
+          <a:p>
+            <a:pPr lvl="1"/>
+            <a:r>
+              <a:rPr lang="en-US" sz="1800" dirty="0" smtClean="0"/>
+              <a:t>Health Monitoring</a:t>
+            </a:r>
+          </a:p>
+          <a:p>
+            <a:pPr lvl="1"/>
+            <a:r>
+              <a:rPr lang="en-US" sz="1800" dirty="0" smtClean="0"/>
+              <a:t>Product re-transmission</a:t>
+            </a:r>
+          </a:p>
+          <a:p>
+            <a:r>
+              <a:rPr lang="en-US" sz="2000" dirty="0" smtClean="0"/>
+              <a:t>Increased Storage Capability</a:t>
+            </a:r>
+          </a:p>
+          <a:p>
+            <a:pPr lvl="1"/>
+            <a:r>
+              <a:rPr lang="en-US" sz="1800" dirty="0" smtClean="0"/>
+              <a:t>Capable of storing 1200 wide area images, or</a:t>
+            </a:r>
+          </a:p>
+          <a:p>
+            <a:pPr lvl="1"/>
+            <a:r>
+              <a:rPr lang="en-US" sz="1800" dirty="0" smtClean="0"/>
+              <a:t>120 minutes of video</a:t>
+            </a:r>
+            <a:endParaRPr lang="en-US" sz="1800" dirty="0"/>
+          </a:p>
+        </p:txBody>
+      </p:sp>
+      <p:pic>
+        <p:nvPicPr>
+          <p:cNvPr id="4" name="Picture 3"/>
+          <p:cNvPicPr>
+            <a:picLocks noChangeAspect="1"/>
+          </p:cNvPicPr>
+          <p:nvPr/>
+        </p:nvPicPr>
+        <p:blipFill>
+          <a:blip r:embed="rId2"/>
+          <a:stretch>
+            <a:fillRect/>
+          </a:stretch>
+        </p:blipFill>
+        <p:spPr>
+          <a:xfrm>
+            <a:off x="66675" y="4833938"/>
+            <a:ext cx="2714625" cy="1314450"/>
+          </a:xfrm>
+          <a:prstGeom prst="rect">
+            <a:avLst/>
+          </a:prstGeom>
+        </p:spPr>
+      </p:pic>
+      <p:graphicFrame>
+        <p:nvGraphicFramePr>
+          <p:cNvPr id="5" name="Table 4"/>
+          <p:cNvGraphicFramePr>
+            <a:graphicFrameLocks noGrp="1"/>
+          </p:cNvGraphicFramePr>
+          <p:nvPr>
+            <p:extLst>
+              <p:ext uri="{D42A27DB-BD31-4B8C-83A1-F6EECF244321}">
+                <p14:modId xmlns:p14="http://schemas.microsoft.com/office/powerpoint/2010/main" val="1549339676"/>
+              </p:ext>
+            </p:extLst>
+          </p:nvPr>
+        </p:nvGraphicFramePr>
+        <p:xfrm>
+          <a:off x="2950601" y="4805363"/>
+          <a:ext cx="3759200" cy="1371600"/>
+        </p:xfrm>
+        <a:graphic>
+          <a:graphicData uri="http://schemas.openxmlformats.org/drawingml/2006/table">
+            <a:tbl>
+              <a:tblPr firstRow="1" bandRow="1">
+                <a:tableStyleId>{5C22544A-7EE6-4342-B048-85BDC9FD1C3A}</a:tableStyleId>
+              </a:tblPr>
+              <a:tblGrid>
+                <a:gridCol w="1581711"/>
+                <a:gridCol w="2177489"/>
+              </a:tblGrid>
+              <a:tr h="256550">
+                <a:tc>
+                  <a:txBody>
+                    <a:bodyPr/>
+                    <a:lstStyle/>
+                    <a:p>
+                      <a:endParaRPr lang="en-US" sz="1200" dirty="0"/>
+                    </a:p>
+                  </a:txBody>
+                  <a:tcPr/>
+                </a:tc>
+                <a:tc>
+                  <a:txBody>
+                    <a:bodyPr/>
+                    <a:lstStyle/>
+                    <a:p>
+                      <a:endParaRPr lang="en-US" sz="1200" dirty="0"/>
+                    </a:p>
+                  </a:txBody>
+                  <a:tcPr/>
+                </a:tc>
+              </a:tr>
+              <a:tr h="182880">
+                <a:tc>
+                  <a:txBody>
+                    <a:bodyPr/>
+                    <a:lstStyle/>
+                    <a:p>
+                      <a:r>
+                        <a:rPr lang="en-US" sz="1200" dirty="0" smtClean="0"/>
+                        <a:t>Weight</a:t>
+                      </a:r>
+                      <a:endParaRPr lang="en-US" sz="1200" dirty="0"/>
+                    </a:p>
+                  </a:txBody>
+                  <a:tcPr/>
+                </a:tc>
+                <a:tc>
+                  <a:txBody>
+                    <a:bodyPr/>
+                    <a:lstStyle/>
+                    <a:p>
+                      <a:r>
+                        <a:rPr lang="en-US" sz="1200" dirty="0" smtClean="0"/>
+                        <a:t>1 </a:t>
+                      </a:r>
+                      <a:r>
+                        <a:rPr lang="en-US" sz="1200" dirty="0" err="1" smtClean="0"/>
+                        <a:t>lb</a:t>
+                      </a:r>
+                      <a:endParaRPr lang="en-US" sz="1200" dirty="0"/>
+                    </a:p>
+                  </a:txBody>
+                  <a:tcPr/>
+                </a:tc>
+              </a:tr>
+              <a:tr h="182880">
+                <a:tc>
+                  <a:txBody>
+                    <a:bodyPr/>
+                    <a:lstStyle/>
+                    <a:p>
+                      <a:r>
+                        <a:rPr lang="en-US" sz="1200" dirty="0" smtClean="0"/>
+                        <a:t>Processor</a:t>
+                      </a:r>
+                      <a:endParaRPr lang="en-US" sz="1200" dirty="0"/>
+                    </a:p>
+                  </a:txBody>
+                  <a:tcPr/>
+                </a:tc>
+                <a:tc>
+                  <a:txBody>
+                    <a:bodyPr/>
+                    <a:lstStyle/>
+                    <a:p>
+                      <a:r>
+                        <a:rPr lang="en-US" sz="1200" dirty="0" smtClean="0"/>
+                        <a:t>Quad Core Intel Processor</a:t>
+                      </a:r>
+                      <a:endParaRPr lang="en-US" sz="1200" dirty="0"/>
+                    </a:p>
+                  </a:txBody>
+                  <a:tcPr/>
+                </a:tc>
+              </a:tr>
+              <a:tr h="182880">
+                <a:tc>
+                  <a:txBody>
+                    <a:bodyPr/>
+                    <a:lstStyle/>
+                    <a:p>
+                      <a:r>
+                        <a:rPr lang="en-US" sz="1200" dirty="0" smtClean="0"/>
+                        <a:t>Storage</a:t>
+                      </a:r>
+                      <a:endParaRPr lang="en-US" sz="1200" dirty="0"/>
+                    </a:p>
+                  </a:txBody>
+                  <a:tcPr/>
+                </a:tc>
+                <a:tc>
+                  <a:txBody>
+                    <a:bodyPr/>
+                    <a:lstStyle/>
+                    <a:p>
+                      <a:r>
+                        <a:rPr lang="en-US" sz="1200" dirty="0" smtClean="0"/>
+                        <a:t>1</a:t>
+                      </a:r>
+                      <a:r>
+                        <a:rPr lang="en-US" sz="1200" baseline="0" dirty="0" smtClean="0"/>
+                        <a:t> TB Solid State</a:t>
+                      </a:r>
+                      <a:endParaRPr lang="en-US" sz="1200" dirty="0"/>
+                    </a:p>
+                  </a:txBody>
+                  <a:tcPr/>
+                </a:tc>
+              </a:tr>
+              <a:tr h="182880">
+                <a:tc>
+                  <a:txBody>
+                    <a:bodyPr/>
+                    <a:lstStyle/>
+                    <a:p>
+                      <a:r>
+                        <a:rPr lang="en-US" sz="1200" dirty="0" smtClean="0"/>
+                        <a:t>RAM</a:t>
+                      </a:r>
+                      <a:endParaRPr lang="en-US" sz="1200" dirty="0"/>
+                    </a:p>
+                  </a:txBody>
+                  <a:tcPr/>
+                </a:tc>
+                <a:tc>
+                  <a:txBody>
+                    <a:bodyPr/>
+                    <a:lstStyle/>
+                    <a:p>
+                      <a:r>
+                        <a:rPr lang="en-US" sz="1200" dirty="0" smtClean="0"/>
+                        <a:t>8 GB</a:t>
+                      </a:r>
+                      <a:endParaRPr lang="en-US" sz="1200" dirty="0"/>
+                    </a:p>
+                  </a:txBody>
+                  <a:tcPr/>
+                </a:tc>
+              </a:tr>
+            </a:tbl>
+          </a:graphicData>
+        </a:graphic>
+      </p:graphicFrame>
+      <p:sp>
+        <p:nvSpPr>
+          <p:cNvPr id="6" name="TextBox 5"/>
+          <p:cNvSpPr txBox="1"/>
+          <p:nvPr/>
+        </p:nvSpPr>
+        <p:spPr>
+          <a:xfrm>
+            <a:off x="66675" y="6334780"/>
+            <a:ext cx="4905375" cy="523220"/>
+          </a:xfrm>
+          <a:prstGeom prst="rect">
+            <a:avLst/>
+          </a:prstGeom>
+          <a:noFill/>
+        </p:spPr>
+        <p:txBody>
+          <a:bodyPr wrap="square" rtlCol="0">
+            <a:spAutoFit/>
+          </a:bodyPr>
+          <a:lstStyle/>
+          <a:p>
+            <a:r>
+              <a:rPr lang="en-US" sz="1400" i="1" dirty="0" smtClean="0">
+                <a:solidFill>
+                  <a:srgbClr val="FF0000"/>
+                </a:solidFill>
+              </a:rPr>
+              <a:t>Training Note: Image from MPL website, </a:t>
+            </a:r>
+            <a:r>
+              <a:rPr lang="en-US" sz="1400" dirty="0">
+                <a:hlinkClick r:id="rId3"/>
+              </a:rPr>
+              <a:t>https://www.mpl.ch/t2401.html</a:t>
+            </a:r>
+            <a:r>
+              <a:rPr lang="en-US" sz="1400" dirty="0" smtClean="0">
+                <a:hlinkClick r:id="rId4"/>
+              </a:rPr>
+              <a:t>/</a:t>
+            </a:r>
+            <a:endParaRPr lang="en-US" sz="1400" i="1" dirty="0">
+              <a:solidFill>
+                <a:srgbClr val="FF0000"/>
+              </a:solidFill>
+            </a:endParaRPr>
+          </a:p>
+        </p:txBody>
+      </p:sp>
+      <p:pic>
+        <p:nvPicPr>
+          <p:cNvPr id="7" name="Picture 6"/>
+          <p:cNvPicPr>
+            <a:picLocks noChangeAspect="1"/>
+          </p:cNvPicPr>
+          <p:nvPr/>
+        </p:nvPicPr>
+        <p:blipFill>
+          <a:blip r:embed="rId5"/>
+          <a:stretch>
+            <a:fillRect/>
+          </a:stretch>
+        </p:blipFill>
+        <p:spPr>
+          <a:xfrm>
+            <a:off x="8406984" y="1587500"/>
+            <a:ext cx="2828925" cy="2124075"/>
+          </a:xfrm>
+          <a:prstGeom prst="rect">
+            <a:avLst/>
+          </a:prstGeom>
+        </p:spPr>
+      </p:pic>
+      <p:sp>
+        <p:nvSpPr>
+          <p:cNvPr id="8" name="Content Placeholder 2"/>
+          <p:cNvSpPr txBox="1">
+            <a:spLocks/>
+          </p:cNvSpPr>
+          <p:nvPr/>
+        </p:nvSpPr>
+        <p:spPr>
+          <a:xfrm>
+            <a:off x="7086600" y="3882231"/>
+            <a:ext cx="4760351" cy="2203670"/>
+          </a:xfrm>
+          <a:prstGeom prst="rect">
+            <a:avLst/>
+          </a:prstGeom>
+        </p:spPr>
+        <p:txBody>
+          <a:bodyPr vert="horz" lIns="91440" tIns="45720" rIns="91440" bIns="45720" rtlCol="0">
+            <a:normAutofit/>
+          </a:bodyPr>
+          <a:lstStyle>
+            <a:lvl1pPr marL="228600" indent="-228600" algn="l" defTabSz="914400" rtl="0" eaLnBrk="1" latinLnBrk="0" hangingPunct="1">
+              <a:lnSpc>
+                <a:spcPct val="90000"/>
+              </a:lnSpc>
+              <a:spcBef>
+                <a:spcPts val="1000"/>
+              </a:spcBef>
+              <a:buFont typeface="Arial" panose="020B0604020202020204" pitchFamily="34" charset="0"/>
+              <a:buChar char="•"/>
+              <a:defRPr sz="2800" kern="1200">
+                <a:solidFill>
+                  <a:schemeClr val="tx1"/>
+                </a:solidFill>
+                <a:latin typeface="+mn-lt"/>
+                <a:ea typeface="+mn-ea"/>
+                <a:cs typeface="+mn-cs"/>
+              </a:defRPr>
+            </a:lvl1pPr>
+            <a:lvl2pPr marL="685800" indent="-228600" algn="l" defTabSz="914400" rtl="0" eaLnBrk="1" latinLnBrk="0" hangingPunct="1">
+              <a:lnSpc>
+                <a:spcPct val="90000"/>
+              </a:lnSpc>
+              <a:spcBef>
+                <a:spcPts val="500"/>
+              </a:spcBef>
+              <a:buFont typeface="Arial" panose="020B0604020202020204" pitchFamily="34" charset="0"/>
+              <a:buChar char="•"/>
+              <a:defRPr sz="2400" kern="1200">
+                <a:solidFill>
+                  <a:schemeClr val="tx1"/>
+                </a:solidFill>
+                <a:latin typeface="+mn-lt"/>
+                <a:ea typeface="+mn-ea"/>
+                <a:cs typeface="+mn-cs"/>
+              </a:defRPr>
+            </a:lvl2pPr>
+            <a:lvl3pPr marL="1143000" indent="-228600" algn="l" defTabSz="914400" rtl="0" eaLnBrk="1" latinLnBrk="0" hangingPunct="1">
+              <a:lnSpc>
+                <a:spcPct val="90000"/>
+              </a:lnSpc>
+              <a:spcBef>
+                <a:spcPts val="500"/>
+              </a:spcBef>
+              <a:buFont typeface="Arial" panose="020B0604020202020204" pitchFamily="34" charset="0"/>
+              <a:buChar char="•"/>
+              <a:defRPr sz="2000" kern="1200">
+                <a:solidFill>
+                  <a:schemeClr val="tx1"/>
+                </a:solidFill>
+                <a:latin typeface="+mn-lt"/>
+                <a:ea typeface="+mn-ea"/>
+                <a:cs typeface="+mn-cs"/>
+              </a:defRPr>
+            </a:lvl3pPr>
+            <a:lvl4pPr marL="1600200" indent="-228600" algn="l" defTabSz="914400" rtl="0" eaLnBrk="1" latinLnBrk="0" hangingPunct="1">
+              <a:lnSpc>
+                <a:spcPct val="90000"/>
+              </a:lnSpc>
+              <a:spcBef>
+                <a:spcPts val="500"/>
+              </a:spcBef>
+              <a:buFont typeface="Arial" panose="020B0604020202020204" pitchFamily="34" charset="0"/>
+              <a:buChar char="•"/>
+              <a:defRPr sz="1800" kern="1200">
+                <a:solidFill>
+                  <a:schemeClr val="tx1"/>
+                </a:solidFill>
+                <a:latin typeface="+mn-lt"/>
+                <a:ea typeface="+mn-ea"/>
+                <a:cs typeface="+mn-cs"/>
+              </a:defRPr>
+            </a:lvl4pPr>
+            <a:lvl5pPr marL="2057400" indent="-228600" algn="l" defTabSz="914400" rtl="0" eaLnBrk="1" latinLnBrk="0" hangingPunct="1">
+              <a:lnSpc>
+                <a:spcPct val="90000"/>
+              </a:lnSpc>
+              <a:spcBef>
+                <a:spcPts val="500"/>
+              </a:spcBef>
+              <a:buFont typeface="Arial" panose="020B0604020202020204" pitchFamily="34" charset="0"/>
+              <a:buChar char="•"/>
+              <a:defRPr sz="1800" kern="1200">
+                <a:solidFill>
+                  <a:schemeClr val="tx1"/>
+                </a:solidFill>
+                <a:latin typeface="+mn-lt"/>
+                <a:ea typeface="+mn-ea"/>
+                <a:cs typeface="+mn-cs"/>
+              </a:defRPr>
+            </a:lvl5pPr>
+            <a:lvl6pPr marL="2514600" indent="-228600" algn="l" defTabSz="914400" rtl="0" eaLnBrk="1" latinLnBrk="0" hangingPunct="1">
+              <a:lnSpc>
+                <a:spcPct val="90000"/>
+              </a:lnSpc>
+              <a:spcBef>
+                <a:spcPts val="500"/>
+              </a:spcBef>
+              <a:buFont typeface="Arial" panose="020B0604020202020204" pitchFamily="34" charset="0"/>
+              <a:buChar char="•"/>
+              <a:defRPr sz="1800" kern="1200">
+                <a:solidFill>
+                  <a:schemeClr val="tx1"/>
+                </a:solidFill>
+                <a:latin typeface="+mn-lt"/>
+                <a:ea typeface="+mn-ea"/>
+                <a:cs typeface="+mn-cs"/>
+              </a:defRPr>
+            </a:lvl6pPr>
+            <a:lvl7pPr marL="2971800" indent="-228600" algn="l" defTabSz="914400" rtl="0" eaLnBrk="1" latinLnBrk="0" hangingPunct="1">
+              <a:lnSpc>
+                <a:spcPct val="90000"/>
+              </a:lnSpc>
+              <a:spcBef>
+                <a:spcPts val="500"/>
+              </a:spcBef>
+              <a:buFont typeface="Arial" panose="020B0604020202020204" pitchFamily="34" charset="0"/>
+              <a:buChar char="•"/>
+              <a:defRPr sz="1800" kern="1200">
+                <a:solidFill>
+                  <a:schemeClr val="tx1"/>
+                </a:solidFill>
+                <a:latin typeface="+mn-lt"/>
+                <a:ea typeface="+mn-ea"/>
+                <a:cs typeface="+mn-cs"/>
+              </a:defRPr>
+            </a:lvl7pPr>
+            <a:lvl8pPr marL="3429000" indent="-228600" algn="l" defTabSz="914400" rtl="0" eaLnBrk="1" latinLnBrk="0" hangingPunct="1">
+              <a:lnSpc>
+                <a:spcPct val="90000"/>
+              </a:lnSpc>
+              <a:spcBef>
+                <a:spcPts val="500"/>
+              </a:spcBef>
+              <a:buFont typeface="Arial" panose="020B0604020202020204" pitchFamily="34" charset="0"/>
+              <a:buChar char="•"/>
+              <a:defRPr sz="1800" kern="1200">
+                <a:solidFill>
+                  <a:schemeClr val="tx1"/>
+                </a:solidFill>
+                <a:latin typeface="+mn-lt"/>
+                <a:ea typeface="+mn-ea"/>
+                <a:cs typeface="+mn-cs"/>
+              </a:defRPr>
+            </a:lvl8pPr>
+            <a:lvl9pPr marL="3886200" indent="-228600" algn="l" defTabSz="914400" rtl="0" eaLnBrk="1" latinLnBrk="0" hangingPunct="1">
+              <a:lnSpc>
+                <a:spcPct val="90000"/>
+              </a:lnSpc>
+              <a:spcBef>
+                <a:spcPts val="500"/>
+              </a:spcBef>
+              <a:buFont typeface="Arial" panose="020B0604020202020204" pitchFamily="34" charset="0"/>
+              <a:buChar char="•"/>
+              <a:defRPr sz="1800" kern="1200">
+                <a:solidFill>
+                  <a:schemeClr val="tx1"/>
+                </a:solidFill>
+                <a:latin typeface="+mn-lt"/>
+                <a:ea typeface="+mn-ea"/>
+                <a:cs typeface="+mn-cs"/>
+              </a:defRPr>
+            </a:lvl9pPr>
+          </a:lstStyle>
+          <a:p>
+            <a:r>
+              <a:rPr lang="en-US" sz="2000" dirty="0" smtClean="0"/>
+              <a:t>Advanced lightweight tactical datalink</a:t>
+            </a:r>
+          </a:p>
+          <a:p>
+            <a:r>
+              <a:rPr lang="en-US" sz="2000" dirty="0" smtClean="0"/>
+              <a:t>Capable of operating in Ku, L, S and C bands</a:t>
+            </a:r>
+          </a:p>
+          <a:p>
+            <a:r>
+              <a:rPr lang="en-US" sz="2000" dirty="0" smtClean="0"/>
+              <a:t>Data rates up to 40 </a:t>
+            </a:r>
+            <a:r>
+              <a:rPr lang="en-US" sz="2000" dirty="0" err="1" smtClean="0"/>
+              <a:t>mb</a:t>
+            </a:r>
+            <a:r>
+              <a:rPr lang="en-US" sz="2000" dirty="0" smtClean="0"/>
+              <a:t>/s</a:t>
+            </a:r>
+          </a:p>
+          <a:p>
+            <a:r>
+              <a:rPr lang="en-US" sz="2000" dirty="0" smtClean="0"/>
+              <a:t>Range up to 15 nautical miles</a:t>
+            </a:r>
+          </a:p>
+          <a:p>
+            <a:endParaRPr lang="en-US" dirty="0"/>
+          </a:p>
+        </p:txBody>
+      </p:sp>
+      <p:sp>
+        <p:nvSpPr>
+          <p:cNvPr id="9" name="Rectangle 8"/>
+          <p:cNvSpPr/>
+          <p:nvPr/>
+        </p:nvSpPr>
+        <p:spPr>
+          <a:xfrm>
+            <a:off x="7560250" y="6275033"/>
+            <a:ext cx="4522392" cy="523220"/>
+          </a:xfrm>
+          <a:prstGeom prst="rect">
+            <a:avLst/>
+          </a:prstGeom>
+        </p:spPr>
+        <p:txBody>
+          <a:bodyPr wrap="none">
+            <a:spAutoFit/>
+          </a:bodyPr>
+          <a:lstStyle/>
+          <a:p>
+            <a:r>
+              <a:rPr lang="en-US" sz="1400" i="1" dirty="0" smtClean="0">
+                <a:solidFill>
+                  <a:srgbClr val="FF0000"/>
+                </a:solidFill>
+              </a:rPr>
+              <a:t>Training Note: Image from L3 Website</a:t>
+            </a:r>
+            <a:endParaRPr lang="en-US" sz="1400" i="1" dirty="0" smtClean="0">
+              <a:solidFill>
+                <a:srgbClr val="FF0000"/>
+              </a:solidFill>
+              <a:hlinkClick r:id="rId6"/>
+            </a:endParaRPr>
+          </a:p>
+          <a:p>
+            <a:r>
+              <a:rPr lang="en-US" sz="1400" dirty="0" smtClean="0">
+                <a:hlinkClick r:id="rId6"/>
+              </a:rPr>
+              <a:t>https</a:t>
+            </a:r>
+            <a:r>
+              <a:rPr lang="en-US" sz="1400" dirty="0">
+                <a:hlinkClick r:id="rId6"/>
+              </a:rPr>
+              <a:t>://www2.l3t.com/csw/products/airborne/bandit.htm</a:t>
+            </a:r>
+            <a:endParaRPr lang="en-US" sz="1400" dirty="0"/>
+          </a:p>
+        </p:txBody>
+      </p:sp>
+    </p:spTree>
+    <p:extLst>
+      <p:ext uri="{BB962C8B-B14F-4D97-AF65-F5344CB8AC3E}">
+        <p14:creationId xmlns:p14="http://schemas.microsoft.com/office/powerpoint/2010/main" val="488797162"/>
       </p:ext>
     </p:extLst>
   </p:cSld>

--- a/Documents/Payloads Overview.pptx
+++ b/Documents/Payloads Overview.pptx
@@ -4579,19 +4579,11 @@
                     <a:p>
                       <a:r>
                         <a:rPr lang="en-US" sz="1200" dirty="0" smtClean="0"/>
-                        <a:t>GSD (</a:t>
-                      </a:r>
-                      <a:r>
-                        <a:rPr lang="en-US" sz="1200" dirty="0" smtClean="0"/>
-                        <a:t>200</a:t>
+                        <a:t>GSD (200</a:t>
                       </a:r>
                       <a:r>
                         <a:rPr lang="en-US" sz="1200" baseline="0" dirty="0" smtClean="0"/>
-                        <a:t>m </a:t>
-                      </a:r>
-                      <a:r>
-                        <a:rPr lang="en-US" sz="1200" baseline="0" dirty="0" smtClean="0"/>
-                        <a:t>Slant Range)</a:t>
+                        <a:t>m Slant Range)</a:t>
                       </a:r>
                       <a:endParaRPr lang="en-US" sz="1200" dirty="0"/>
                     </a:p>
@@ -4883,11 +4875,7 @@
             </a:r>
             <a:r>
               <a:rPr lang="en-US" dirty="0" smtClean="0"/>
-              <a:t> Wide </a:t>
-            </a:r>
-            <a:r>
-              <a:rPr lang="en-US" dirty="0" smtClean="0"/>
-              <a:t>Area Camera</a:t>
+              <a:t> Wide Area Camera</a:t>
             </a:r>
             <a:endParaRPr lang="en-US" dirty="0"/>
           </a:p>
@@ -4905,8 +4893,8 @@
         </p:nvSpPr>
         <p:spPr>
           <a:xfrm>
-            <a:off x="581025" y="5154941"/>
-            <a:ext cx="6105525" cy="1441449"/>
+            <a:off x="594704" y="4856490"/>
+            <a:ext cx="6873736" cy="1441449"/>
           </a:xfrm>
         </p:spPr>
         <p:txBody>
@@ -4917,15 +4905,33 @@
           <a:p>
             <a:r>
               <a:rPr lang="en-US" sz="2000" dirty="0" smtClean="0"/>
-              <a:t>Can operate in either manual or automatic mode</a:t>
-            </a:r>
+              <a:t>Can operate in either manual or automatic </a:t>
+            </a:r>
+            <a:r>
+              <a:rPr lang="en-US" sz="2000" dirty="0" smtClean="0"/>
+              <a:t>mode</a:t>
+            </a:r>
+          </a:p>
+          <a:p>
+            <a:r>
+              <a:rPr lang="en-US" sz="2000" dirty="0" smtClean="0"/>
+              <a:t>Automatic mode sends images down constantly beneath the vehicle – used for </a:t>
+            </a:r>
+            <a:r>
+              <a:rPr lang="en-US" sz="2000" dirty="0" err="1" smtClean="0"/>
+              <a:t>overwatch</a:t>
+            </a:r>
+            <a:r>
+              <a:rPr lang="en-US" sz="2000" dirty="0" smtClean="0"/>
+              <a:t> or survey</a:t>
+            </a:r>
+            <a:endParaRPr lang="en-US" sz="2000" dirty="0" smtClean="0"/>
           </a:p>
           <a:p>
             <a:r>
               <a:rPr lang="en-US" sz="2000" dirty="0" smtClean="0"/>
               <a:t>User selectable day (electro-optic) or night (mid-wave IR)</a:t>
             </a:r>
-            <a:endParaRPr lang="en-US" sz="2000" dirty="0" smtClean="0"/>
           </a:p>
         </p:txBody>
       </p:sp>
@@ -6010,6 +6016,12 @@
             <a:r>
               <a:rPr lang="en-US" sz="1800" dirty="0" smtClean="0"/>
               <a:t>120 minutes of video</a:t>
+            </a:r>
+          </a:p>
+          <a:p>
+            <a:r>
+              <a:rPr lang="en-US" sz="1800" dirty="0" smtClean="0"/>
+              <a:t>Built and assembled in the USA</a:t>
             </a:r>
             <a:endParaRPr lang="en-US" sz="1800" dirty="0"/>
           </a:p>
